--- a/Final project presentation.pptx
+++ b/Final project presentation.pptx
@@ -12017,6 +12017,194 @@
           </a:p>
         </p:txBody>
       </p:sp>
+      <p:pic>
+        <p:nvPicPr>
+          <p:cNvPr id="1026" name="Picture 2" descr="Java logo and symbol, meaning, history, PNG">
+            <a:extLst>
+              <a:ext uri="{FF2B5EF4-FFF2-40B4-BE49-F238E27FC236}">
+                <a16:creationId xmlns:a16="http://schemas.microsoft.com/office/drawing/2014/main" id="{9B4861EC-9230-B37A-E0BE-6CB391D42550}"/>
+              </a:ext>
+            </a:extLst>
+          </p:cNvPr>
+          <p:cNvPicPr>
+            <a:picLocks noChangeAspect="1" noChangeArrowheads="1"/>
+          </p:cNvPicPr>
+          <p:nvPr/>
+        </p:nvPicPr>
+        <p:blipFill>
+          <a:blip r:embed="rId2">
+            <a:extLst>
+              <a:ext uri="{28A0092B-C50C-407E-A947-70E740481C1C}">
+                <a14:useLocalDpi xmlns:a14="http://schemas.microsoft.com/office/drawing/2010/main" val="0"/>
+              </a:ext>
+            </a:extLst>
+          </a:blip>
+          <a:srcRect/>
+          <a:stretch>
+            <a:fillRect/>
+          </a:stretch>
+        </p:blipFill>
+        <p:spPr bwMode="auto">
+          <a:xfrm>
+            <a:off x="2347245" y="1482141"/>
+            <a:ext cx="2705100" cy="1695450"/>
+          </a:xfrm>
+          <a:prstGeom prst="rect">
+            <a:avLst/>
+          </a:prstGeom>
+          <a:noFill/>
+          <a:extLst>
+            <a:ext uri="{909E8E84-426E-40DD-AFC4-6F175D3DCCD1}">
+              <a14:hiddenFill xmlns:a14="http://schemas.microsoft.com/office/drawing/2010/main">
+                <a:solidFill>
+                  <a:srgbClr val="FFFFFF"/>
+                </a:solidFill>
+              </a14:hiddenFill>
+            </a:ext>
+          </a:extLst>
+        </p:spPr>
+      </p:pic>
+      <p:pic>
+        <p:nvPicPr>
+          <p:cNvPr id="1028" name="Picture 4" descr="Learn JFreeChart Tutorial - javatpoint">
+            <a:extLst>
+              <a:ext uri="{FF2B5EF4-FFF2-40B4-BE49-F238E27FC236}">
+                <a16:creationId xmlns:a16="http://schemas.microsoft.com/office/drawing/2014/main" id="{6D315863-7EAF-3B5B-50C9-A4E6606A3B5F}"/>
+              </a:ext>
+            </a:extLst>
+          </p:cNvPr>
+          <p:cNvPicPr>
+            <a:picLocks noChangeAspect="1" noChangeArrowheads="1"/>
+          </p:cNvPicPr>
+          <p:nvPr/>
+        </p:nvPicPr>
+        <p:blipFill>
+          <a:blip r:embed="rId3">
+            <a:extLst>
+              <a:ext uri="{28A0092B-C50C-407E-A947-70E740481C1C}">
+                <a14:useLocalDpi xmlns:a14="http://schemas.microsoft.com/office/drawing/2010/main" val="0"/>
+              </a:ext>
+            </a:extLst>
+          </a:blip>
+          <a:srcRect/>
+          <a:stretch>
+            <a:fillRect/>
+          </a:stretch>
+        </p:blipFill>
+        <p:spPr bwMode="auto">
+          <a:xfrm>
+            <a:off x="7802989" y="1482141"/>
+            <a:ext cx="1847850" cy="1847850"/>
+          </a:xfrm>
+          <a:prstGeom prst="rect">
+            <a:avLst/>
+          </a:prstGeom>
+          <a:noFill/>
+          <a:extLst>
+            <a:ext uri="{909E8E84-426E-40DD-AFC4-6F175D3DCCD1}">
+              <a14:hiddenFill xmlns:a14="http://schemas.microsoft.com/office/drawing/2010/main">
+                <a:solidFill>
+                  <a:srgbClr val="FFFFFF"/>
+                </a:solidFill>
+              </a14:hiddenFill>
+            </a:ext>
+          </a:extLst>
+        </p:spPr>
+      </p:pic>
+      <p:pic>
+        <p:nvPicPr>
+          <p:cNvPr id="1030" name="Picture 6" descr="Textlocal: Bulk SMS Marketing Service for Business | Send SMS Online">
+            <a:extLst>
+              <a:ext uri="{FF2B5EF4-FFF2-40B4-BE49-F238E27FC236}">
+                <a16:creationId xmlns:a16="http://schemas.microsoft.com/office/drawing/2014/main" id="{068479A0-6335-09A7-4629-AA3E567E0E02}"/>
+              </a:ext>
+            </a:extLst>
+          </p:cNvPr>
+          <p:cNvPicPr>
+            <a:picLocks noChangeAspect="1" noChangeArrowheads="1"/>
+          </p:cNvPicPr>
+          <p:nvPr/>
+        </p:nvPicPr>
+        <p:blipFill>
+          <a:blip r:embed="rId4">
+            <a:extLst>
+              <a:ext uri="{28A0092B-C50C-407E-A947-70E740481C1C}">
+                <a14:useLocalDpi xmlns:a14="http://schemas.microsoft.com/office/drawing/2010/main" val="0"/>
+              </a:ext>
+            </a:extLst>
+          </a:blip>
+          <a:srcRect/>
+          <a:stretch>
+            <a:fillRect/>
+          </a:stretch>
+        </p:blipFill>
+        <p:spPr bwMode="auto">
+          <a:xfrm>
+            <a:off x="2347245" y="4167689"/>
+            <a:ext cx="2152650" cy="1714500"/>
+          </a:xfrm>
+          <a:prstGeom prst="rect">
+            <a:avLst/>
+          </a:prstGeom>
+          <a:noFill/>
+          <a:extLst>
+            <a:ext uri="{909E8E84-426E-40DD-AFC4-6F175D3DCCD1}">
+              <a14:hiddenFill xmlns:a14="http://schemas.microsoft.com/office/drawing/2010/main">
+                <a:solidFill>
+                  <a:srgbClr val="FFFFFF"/>
+                </a:solidFill>
+              </a14:hiddenFill>
+            </a:ext>
+          </a:extLst>
+        </p:spPr>
+      </p:pic>
+      <p:pic>
+        <p:nvPicPr>
+          <p:cNvPr id="1032" name="Picture 8" descr="NetBeans IDE Updates and Improvements | JRebel &amp; XRebel by Perforce">
+            <a:extLst>
+              <a:ext uri="{FF2B5EF4-FFF2-40B4-BE49-F238E27FC236}">
+                <a16:creationId xmlns:a16="http://schemas.microsoft.com/office/drawing/2014/main" id="{3D8278BA-5148-4F0B-7159-E642B682B612}"/>
+              </a:ext>
+            </a:extLst>
+          </p:cNvPr>
+          <p:cNvPicPr>
+            <a:picLocks noChangeAspect="1" noChangeArrowheads="1"/>
+          </p:cNvPicPr>
+          <p:nvPr/>
+        </p:nvPicPr>
+        <p:blipFill>
+          <a:blip r:embed="rId5">
+            <a:extLst>
+              <a:ext uri="{28A0092B-C50C-407E-A947-70E740481C1C}">
+                <a14:useLocalDpi xmlns:a14="http://schemas.microsoft.com/office/drawing/2010/main" val="0"/>
+              </a:ext>
+            </a:extLst>
+          </a:blip>
+          <a:srcRect/>
+          <a:stretch>
+            <a:fillRect/>
+          </a:stretch>
+        </p:blipFill>
+        <p:spPr bwMode="auto">
+          <a:xfrm>
+            <a:off x="7441039" y="4167689"/>
+            <a:ext cx="2571750" cy="1714500"/>
+          </a:xfrm>
+          <a:prstGeom prst="rect">
+            <a:avLst/>
+          </a:prstGeom>
+          <a:noFill/>
+          <a:extLst>
+            <a:ext uri="{909E8E84-426E-40DD-AFC4-6F175D3DCCD1}">
+              <a14:hiddenFill xmlns:a14="http://schemas.microsoft.com/office/drawing/2010/main">
+                <a:solidFill>
+                  <a:srgbClr val="FFFFFF"/>
+                </a:solidFill>
+              </a14:hiddenFill>
+            </a:ext>
+          </a:extLst>
+        </p:spPr>
+      </p:pic>
     </p:spTree>
     <p:extLst>
       <p:ext uri="{BB962C8B-B14F-4D97-AF65-F5344CB8AC3E}">

--- a/Final project presentation.pptx
+++ b/Final project presentation.pptx
@@ -17,6 +17,10 @@
     <p:sldId id="267" r:id="rId11"/>
     <p:sldId id="262" r:id="rId12"/>
     <p:sldId id="264" r:id="rId13"/>
+    <p:sldId id="269" r:id="rId14"/>
+    <p:sldId id="270" r:id="rId15"/>
+    <p:sldId id="271" r:id="rId16"/>
+    <p:sldId id="272" r:id="rId17"/>
   </p:sldIdLst>
   <p:sldSz cx="12192000" cy="6858000"/>
   <p:notesSz cx="6858000" cy="9144000"/>
@@ -9162,6 +9166,53 @@
           </a:prstGeom>
         </p:spPr>
       </p:pic>
+      <p:pic>
+        <p:nvPicPr>
+          <p:cNvPr id="2" name="Picture 2" descr="Northeastern University Logo and symbol, meaning, history ...">
+            <a:extLst>
+              <a:ext uri="{FF2B5EF4-FFF2-40B4-BE49-F238E27FC236}">
+                <a16:creationId xmlns:a16="http://schemas.microsoft.com/office/drawing/2014/main" id="{4A2688FC-51B7-924E-5F60-7CE75DE66D3B}"/>
+              </a:ext>
+            </a:extLst>
+          </p:cNvPr>
+          <p:cNvPicPr>
+            <a:picLocks noChangeAspect="1" noChangeArrowheads="1"/>
+          </p:cNvPicPr>
+          <p:nvPr/>
+        </p:nvPicPr>
+        <p:blipFill>
+          <a:blip r:embed="rId4">
+            <a:extLst>
+              <a:ext uri="{28A0092B-C50C-407E-A947-70E740481C1C}">
+                <a14:useLocalDpi xmlns:a14="http://schemas.microsoft.com/office/drawing/2010/main" val="0"/>
+              </a:ext>
+            </a:extLst>
+          </a:blip>
+          <a:srcRect/>
+          <a:stretch>
+            <a:fillRect/>
+          </a:stretch>
+        </p:blipFill>
+        <p:spPr bwMode="auto">
+          <a:xfrm>
+            <a:off x="0" y="0"/>
+            <a:ext cx="1389529" cy="781610"/>
+          </a:xfrm>
+          <a:prstGeom prst="rect">
+            <a:avLst/>
+          </a:prstGeom>
+          <a:noFill/>
+          <a:extLst>
+            <a:ext uri="{909E8E84-426E-40DD-AFC4-6F175D3DCCD1}">
+              <a14:hiddenFill xmlns:a14="http://schemas.microsoft.com/office/drawing/2010/main">
+                <a:solidFill>
+                  <a:srgbClr val="FFFFFF"/>
+                </a:solidFill>
+              </a14:hiddenFill>
+            </a:ext>
+          </a:extLst>
+        </p:spPr>
+      </p:pic>
     </p:spTree>
     <p:extLst>
       <p:ext uri="{BB962C8B-B14F-4D97-AF65-F5344CB8AC3E}">
@@ -9991,10 +10042,1810 @@
           </a:p>
         </p:txBody>
       </p:sp>
+      <p:pic>
+        <p:nvPicPr>
+          <p:cNvPr id="3" name="Picture 2" descr="Northeastern University Logo and symbol, meaning, history ...">
+            <a:extLst>
+              <a:ext uri="{FF2B5EF4-FFF2-40B4-BE49-F238E27FC236}">
+                <a16:creationId xmlns:a16="http://schemas.microsoft.com/office/drawing/2014/main" id="{F0AFF4EE-1F76-E967-C2BB-B78B5820521D}"/>
+              </a:ext>
+            </a:extLst>
+          </p:cNvPr>
+          <p:cNvPicPr>
+            <a:picLocks noChangeAspect="1" noChangeArrowheads="1"/>
+          </p:cNvPicPr>
+          <p:nvPr/>
+        </p:nvPicPr>
+        <p:blipFill>
+          <a:blip r:embed="rId3">
+            <a:extLst>
+              <a:ext uri="{28A0092B-C50C-407E-A947-70E740481C1C}">
+                <a14:useLocalDpi xmlns:a14="http://schemas.microsoft.com/office/drawing/2010/main" val="0"/>
+              </a:ext>
+            </a:extLst>
+          </a:blip>
+          <a:srcRect/>
+          <a:stretch>
+            <a:fillRect/>
+          </a:stretch>
+        </p:blipFill>
+        <p:spPr bwMode="auto">
+          <a:xfrm>
+            <a:off x="0" y="0"/>
+            <a:ext cx="1389529" cy="781610"/>
+          </a:xfrm>
+          <a:prstGeom prst="rect">
+            <a:avLst/>
+          </a:prstGeom>
+          <a:noFill/>
+          <a:extLst>
+            <a:ext uri="{909E8E84-426E-40DD-AFC4-6F175D3DCCD1}">
+              <a14:hiddenFill xmlns:a14="http://schemas.microsoft.com/office/drawing/2010/main">
+                <a:solidFill>
+                  <a:srgbClr val="FFFFFF"/>
+                </a:solidFill>
+              </a14:hiddenFill>
+            </a:ext>
+          </a:extLst>
+        </p:spPr>
+      </p:pic>
     </p:spTree>
     <p:extLst>
       <p:ext uri="{BB962C8B-B14F-4D97-AF65-F5344CB8AC3E}">
         <p14:creationId xmlns:p14="http://schemas.microsoft.com/office/powerpoint/2010/main" val="3573527490"/>
+      </p:ext>
+    </p:extLst>
+  </p:cSld>
+  <p:clrMapOvr>
+    <a:masterClrMapping/>
+  </p:clrMapOvr>
+</p:sld>
+</file>
+
+<file path=ppt/slides/slide13.xml><?xml version="1.0" encoding="utf-8"?>
+<p:sld xmlns:a="http://schemas.openxmlformats.org/drawingml/2006/main" xmlns:r="http://schemas.openxmlformats.org/officeDocument/2006/relationships" xmlns:p="http://schemas.openxmlformats.org/presentationml/2006/main">
+  <p:cSld>
+    <p:bg>
+      <p:bgPr>
+        <a:solidFill>
+          <a:schemeClr val="bg1"/>
+        </a:solidFill>
+        <a:effectLst/>
+      </p:bgPr>
+    </p:bg>
+    <p:spTree>
+      <p:nvGrpSpPr>
+        <p:cNvPr id="1" name=""/>
+        <p:cNvGrpSpPr/>
+        <p:nvPr/>
+      </p:nvGrpSpPr>
+      <p:grpSpPr>
+        <a:xfrm>
+          <a:off x="0" y="0"/>
+          <a:ext cx="0" cy="0"/>
+          <a:chOff x="0" y="0"/>
+          <a:chExt cx="0" cy="0"/>
+        </a:xfrm>
+      </p:grpSpPr>
+      <p:sp>
+        <p:nvSpPr>
+          <p:cNvPr id="4" name="Rectangle 6">
+            <a:extLst>
+              <a:ext uri="{FF2B5EF4-FFF2-40B4-BE49-F238E27FC236}">
+                <a16:creationId xmlns:a16="http://schemas.microsoft.com/office/drawing/2014/main" id="{F3060C83-F051-4F0E-ABAD-AA0DFC48B218}"/>
+              </a:ext>
+              <a:ext uri="{C183D7F6-B498-43B3-948B-1728B52AA6E4}">
+                <adec:decorative xmlns:adec="http://schemas.microsoft.com/office/drawing/2017/decorative" val="1"/>
+              </a:ext>
+            </a:extLst>
+          </p:cNvPr>
+          <p:cNvSpPr>
+            <a:spLocks noGrp="1" noRot="1" noChangeAspect="1" noMove="1" noResize="1" noEditPoints="1" noAdjustHandles="1" noChangeArrowheads="1" noChangeShapeType="1" noTextEdit="1"/>
+          </p:cNvSpPr>
+          <p:nvPr>
+            <p:extLst>
+              <p:ext uri="{386F3935-93C4-4BCD-93E2-E3B085C9AB24}">
+                <p16:designElem xmlns:p16="http://schemas.microsoft.com/office/powerpoint/2015/main" val="1"/>
+              </p:ext>
+            </p:extLst>
+          </p:nvPr>
+        </p:nvSpPr>
+        <p:spPr>
+          <a:xfrm>
+            <a:off x="0" y="0"/>
+            <a:ext cx="12192000" cy="6858000"/>
+          </a:xfrm>
+          <a:prstGeom prst="rect">
+            <a:avLst/>
+          </a:prstGeom>
+          <a:solidFill>
+            <a:schemeClr val="bg1"/>
+          </a:solidFill>
+          <a:ln>
+            <a:noFill/>
+          </a:ln>
+        </p:spPr>
+        <p:style>
+          <a:lnRef idx="2">
+            <a:schemeClr val="accent1">
+              <a:shade val="50000"/>
+            </a:schemeClr>
+          </a:lnRef>
+          <a:fillRef idx="1">
+            <a:schemeClr val="accent1"/>
+          </a:fillRef>
+          <a:effectRef idx="0">
+            <a:schemeClr val="accent1"/>
+          </a:effectRef>
+          <a:fontRef idx="minor">
+            <a:schemeClr val="lt1"/>
+          </a:fontRef>
+        </p:style>
+        <p:txBody>
+          <a:bodyPr rtlCol="0" anchor="ctr"/>
+          <a:lstStyle/>
+          <a:p>
+            <a:pPr algn="ctr"/>
+            <a:endParaRPr lang="en-US" dirty="0"/>
+          </a:p>
+        </p:txBody>
+      </p:sp>
+      <p:sp>
+        <p:nvSpPr>
+          <p:cNvPr id="5" name="Freeform: Shape 8">
+            <a:extLst>
+              <a:ext uri="{FF2B5EF4-FFF2-40B4-BE49-F238E27FC236}">
+                <a16:creationId xmlns:a16="http://schemas.microsoft.com/office/drawing/2014/main" id="{83C98ABE-055B-441F-B07E-44F97F083C39}"/>
+              </a:ext>
+              <a:ext uri="{C183D7F6-B498-43B3-948B-1728B52AA6E4}">
+                <adec:decorative xmlns:adec="http://schemas.microsoft.com/office/drawing/2017/decorative" val="1"/>
+              </a:ext>
+            </a:extLst>
+          </p:cNvPr>
+          <p:cNvSpPr>
+            <a:spLocks noGrp="1" noRot="1" noChangeAspect="1" noMove="1" noResize="1" noEditPoints="1" noAdjustHandles="1" noChangeArrowheads="1" noChangeShapeType="1" noTextEdit="1"/>
+          </p:cNvSpPr>
+          <p:nvPr>
+            <p:extLst>
+              <p:ext uri="{386F3935-93C4-4BCD-93E2-E3B085C9AB24}">
+                <p16:designElem xmlns:p16="http://schemas.microsoft.com/office/powerpoint/2015/main" val="1"/>
+              </p:ext>
+            </p:extLst>
+          </p:nvPr>
+        </p:nvSpPr>
+        <p:spPr>
+          <a:xfrm rot="18900000" flipH="1">
+            <a:off x="-376156" y="-253670"/>
+            <a:ext cx="1827638" cy="1376989"/>
+          </a:xfrm>
+          <a:custGeom>
+            <a:avLst/>
+            <a:gdLst>
+              <a:gd name="connsiteX0" fmla="*/ 0 w 1827638"/>
+              <a:gd name="connsiteY0" fmla="*/ 987379 h 1376989"/>
+              <a:gd name="connsiteX1" fmla="*/ 987379 w 1827638"/>
+              <a:gd name="connsiteY1" fmla="*/ 0 h 1376989"/>
+              <a:gd name="connsiteX2" fmla="*/ 1827638 w 1827638"/>
+              <a:gd name="connsiteY2" fmla="*/ 840260 h 1376989"/>
+              <a:gd name="connsiteX3" fmla="*/ 1827638 w 1827638"/>
+              <a:gd name="connsiteY3" fmla="*/ 1376989 h 1376989"/>
+              <a:gd name="connsiteX4" fmla="*/ 0 w 1827638"/>
+              <a:gd name="connsiteY4" fmla="*/ 1376989 h 1376989"/>
+            </a:gdLst>
+            <a:ahLst/>
+            <a:cxnLst>
+              <a:cxn ang="0">
+                <a:pos x="connsiteX0" y="connsiteY0"/>
+              </a:cxn>
+              <a:cxn ang="0">
+                <a:pos x="connsiteX1" y="connsiteY1"/>
+              </a:cxn>
+              <a:cxn ang="0">
+                <a:pos x="connsiteX2" y="connsiteY2"/>
+              </a:cxn>
+              <a:cxn ang="0">
+                <a:pos x="connsiteX3" y="connsiteY3"/>
+              </a:cxn>
+              <a:cxn ang="0">
+                <a:pos x="connsiteX4" y="connsiteY4"/>
+              </a:cxn>
+            </a:cxnLst>
+            <a:rect l="l" t="t" r="r" b="b"/>
+            <a:pathLst>
+              <a:path w="1827638" h="1376989">
+                <a:moveTo>
+                  <a:pt x="0" y="987379"/>
+                </a:moveTo>
+                <a:lnTo>
+                  <a:pt x="987379" y="0"/>
+                </a:lnTo>
+                <a:lnTo>
+                  <a:pt x="1827638" y="840260"/>
+                </a:lnTo>
+                <a:lnTo>
+                  <a:pt x="1827638" y="1376989"/>
+                </a:lnTo>
+                <a:lnTo>
+                  <a:pt x="0" y="1376989"/>
+                </a:lnTo>
+                <a:close/>
+              </a:path>
+            </a:pathLst>
+          </a:custGeom>
+          <a:solidFill>
+            <a:schemeClr val="accent1">
+              <a:alpha val="30000"/>
+            </a:schemeClr>
+          </a:solidFill>
+          <a:ln>
+            <a:noFill/>
+          </a:ln>
+        </p:spPr>
+        <p:style>
+          <a:lnRef idx="2">
+            <a:schemeClr val="accent1">
+              <a:shade val="50000"/>
+            </a:schemeClr>
+          </a:lnRef>
+          <a:fillRef idx="1">
+            <a:schemeClr val="accent1"/>
+          </a:fillRef>
+          <a:effectRef idx="0">
+            <a:schemeClr val="accent1"/>
+          </a:effectRef>
+          <a:fontRef idx="minor">
+            <a:schemeClr val="lt1"/>
+          </a:fontRef>
+        </p:style>
+        <p:txBody>
+          <a:bodyPr rtlCol="0" anchor="ctr"/>
+          <a:lstStyle/>
+          <a:p>
+            <a:pPr algn="ctr"/>
+            <a:endParaRPr lang="en-US" dirty="0"/>
+          </a:p>
+        </p:txBody>
+      </p:sp>
+      <p:sp>
+        <p:nvSpPr>
+          <p:cNvPr id="6" name="Rectangle 10">
+            <a:extLst>
+              <a:ext uri="{FF2B5EF4-FFF2-40B4-BE49-F238E27FC236}">
+                <a16:creationId xmlns:a16="http://schemas.microsoft.com/office/drawing/2014/main" id="{29FDB030-9B49-4CED-8CCD-4D99382388AC}"/>
+              </a:ext>
+              <a:ext uri="{C183D7F6-B498-43B3-948B-1728B52AA6E4}">
+                <adec:decorative xmlns:adec="http://schemas.microsoft.com/office/drawing/2017/decorative" val="1"/>
+              </a:ext>
+            </a:extLst>
+          </p:cNvPr>
+          <p:cNvSpPr>
+            <a:spLocks noGrp="1" noRot="1" noChangeAspect="1" noMove="1" noResize="1" noEditPoints="1" noAdjustHandles="1" noChangeArrowheads="1" noChangeShapeType="1" noTextEdit="1"/>
+          </p:cNvSpPr>
+          <p:nvPr>
+            <p:extLst>
+              <p:ext uri="{386F3935-93C4-4BCD-93E2-E3B085C9AB24}">
+                <p16:designElem xmlns:p16="http://schemas.microsoft.com/office/powerpoint/2015/main" val="1"/>
+              </p:ext>
+            </p:extLst>
+          </p:nvPr>
+        </p:nvSpPr>
+        <p:spPr>
+          <a:xfrm rot="18900000" flipH="1">
+            <a:off x="891641" y="422146"/>
+            <a:ext cx="645368" cy="645368"/>
+          </a:xfrm>
+          <a:prstGeom prst="rect">
+            <a:avLst/>
+          </a:prstGeom>
+          <a:solidFill>
+            <a:schemeClr val="accent1">
+              <a:alpha val="30000"/>
+            </a:schemeClr>
+          </a:solidFill>
+          <a:ln>
+            <a:noFill/>
+          </a:ln>
+        </p:spPr>
+        <p:style>
+          <a:lnRef idx="2">
+            <a:schemeClr val="accent1">
+              <a:shade val="50000"/>
+            </a:schemeClr>
+          </a:lnRef>
+          <a:fillRef idx="1">
+            <a:schemeClr val="accent1"/>
+          </a:fillRef>
+          <a:effectRef idx="0">
+            <a:schemeClr val="accent1"/>
+          </a:effectRef>
+          <a:fontRef idx="minor">
+            <a:schemeClr val="lt1"/>
+          </a:fontRef>
+        </p:style>
+        <p:txBody>
+          <a:bodyPr rtlCol="0" anchor="ctr"/>
+          <a:lstStyle/>
+          <a:p>
+            <a:pPr algn="ctr"/>
+            <a:endParaRPr lang="en-US"/>
+          </a:p>
+        </p:txBody>
+      </p:sp>
+      <p:sp>
+        <p:nvSpPr>
+          <p:cNvPr id="8" name="Rectangle 12">
+            <a:extLst>
+              <a:ext uri="{FF2B5EF4-FFF2-40B4-BE49-F238E27FC236}">
+                <a16:creationId xmlns:a16="http://schemas.microsoft.com/office/drawing/2014/main" id="{3783CA14-24A1-485C-8B30-D6A5D87987AD}"/>
+              </a:ext>
+              <a:ext uri="{C183D7F6-B498-43B3-948B-1728B52AA6E4}">
+                <adec:decorative xmlns:adec="http://schemas.microsoft.com/office/drawing/2017/decorative" val="1"/>
+              </a:ext>
+            </a:extLst>
+          </p:cNvPr>
+          <p:cNvSpPr>
+            <a:spLocks noGrp="1" noRot="1" noChangeAspect="1" noMove="1" noResize="1" noEditPoints="1" noAdjustHandles="1" noChangeArrowheads="1" noChangeShapeType="1" noTextEdit="1"/>
+          </p:cNvSpPr>
+          <p:nvPr>
+            <p:extLst>
+              <p:ext uri="{386F3935-93C4-4BCD-93E2-E3B085C9AB24}">
+                <p16:designElem xmlns:p16="http://schemas.microsoft.com/office/powerpoint/2015/main" val="1"/>
+              </p:ext>
+            </p:extLst>
+          </p:nvPr>
+        </p:nvSpPr>
+        <p:spPr>
+          <a:xfrm rot="18900000" flipH="1">
+            <a:off x="10043482" y="655140"/>
+            <a:ext cx="687472" cy="687472"/>
+          </a:xfrm>
+          <a:prstGeom prst="rect">
+            <a:avLst/>
+          </a:prstGeom>
+          <a:solidFill>
+            <a:schemeClr val="accent4">
+              <a:alpha val="30000"/>
+            </a:schemeClr>
+          </a:solidFill>
+          <a:ln>
+            <a:noFill/>
+          </a:ln>
+        </p:spPr>
+        <p:style>
+          <a:lnRef idx="2">
+            <a:schemeClr val="accent1">
+              <a:shade val="50000"/>
+            </a:schemeClr>
+          </a:lnRef>
+          <a:fillRef idx="1">
+            <a:schemeClr val="accent1"/>
+          </a:fillRef>
+          <a:effectRef idx="0">
+            <a:schemeClr val="accent1"/>
+          </a:effectRef>
+          <a:fontRef idx="minor">
+            <a:schemeClr val="lt1"/>
+          </a:fontRef>
+        </p:style>
+        <p:txBody>
+          <a:bodyPr rtlCol="0" anchor="ctr"/>
+          <a:lstStyle/>
+          <a:p>
+            <a:pPr algn="ctr"/>
+            <a:endParaRPr lang="en-US"/>
+          </a:p>
+        </p:txBody>
+      </p:sp>
+      <p:sp>
+        <p:nvSpPr>
+          <p:cNvPr id="12" name="Freeform: Shape 14">
+            <a:extLst>
+              <a:ext uri="{FF2B5EF4-FFF2-40B4-BE49-F238E27FC236}">
+                <a16:creationId xmlns:a16="http://schemas.microsoft.com/office/drawing/2014/main" id="{9A97C86A-04D6-40F7-AE84-31AB43E6A846}"/>
+              </a:ext>
+              <a:ext uri="{C183D7F6-B498-43B3-948B-1728B52AA6E4}">
+                <adec:decorative xmlns:adec="http://schemas.microsoft.com/office/drawing/2017/decorative" val="1"/>
+              </a:ext>
+            </a:extLst>
+          </p:cNvPr>
+          <p:cNvSpPr>
+            <a:spLocks noGrp="1" noRot="1" noChangeAspect="1" noMove="1" noResize="1" noEditPoints="1" noAdjustHandles="1" noChangeArrowheads="1" noChangeShapeType="1" noTextEdit="1"/>
+          </p:cNvSpPr>
+          <p:nvPr>
+            <p:extLst>
+              <p:ext uri="{386F3935-93C4-4BCD-93E2-E3B085C9AB24}">
+                <p16:designElem xmlns:p16="http://schemas.microsoft.com/office/powerpoint/2015/main" val="1"/>
+              </p:ext>
+            </p:extLst>
+          </p:nvPr>
+        </p:nvSpPr>
+        <p:spPr>
+          <a:xfrm rot="10800000" flipH="1">
+            <a:off x="9356643" y="0"/>
+            <a:ext cx="2835357" cy="1480837"/>
+          </a:xfrm>
+          <a:custGeom>
+            <a:avLst/>
+            <a:gdLst>
+              <a:gd name="connsiteX0" fmla="*/ 2835357 w 2835357"/>
+              <a:gd name="connsiteY0" fmla="*/ 1480837 h 1480837"/>
+              <a:gd name="connsiteX1" fmla="*/ 0 w 2835357"/>
+              <a:gd name="connsiteY1" fmla="*/ 1480837 h 1480837"/>
+              <a:gd name="connsiteX2" fmla="*/ 1552727 w 2835357"/>
+              <a:gd name="connsiteY2" fmla="*/ 0 h 1480837"/>
+              <a:gd name="connsiteX3" fmla="*/ 2835357 w 2835357"/>
+              <a:gd name="connsiteY3" fmla="*/ 1223245 h 1480837"/>
+            </a:gdLst>
+            <a:ahLst/>
+            <a:cxnLst>
+              <a:cxn ang="0">
+                <a:pos x="connsiteX0" y="connsiteY0"/>
+              </a:cxn>
+              <a:cxn ang="0">
+                <a:pos x="connsiteX1" y="connsiteY1"/>
+              </a:cxn>
+              <a:cxn ang="0">
+                <a:pos x="connsiteX2" y="connsiteY2"/>
+              </a:cxn>
+              <a:cxn ang="0">
+                <a:pos x="connsiteX3" y="connsiteY3"/>
+              </a:cxn>
+            </a:cxnLst>
+            <a:rect l="l" t="t" r="r" b="b"/>
+            <a:pathLst>
+              <a:path w="2835357" h="1480837">
+                <a:moveTo>
+                  <a:pt x="2835357" y="1480837"/>
+                </a:moveTo>
+                <a:lnTo>
+                  <a:pt x="0" y="1480837"/>
+                </a:lnTo>
+                <a:lnTo>
+                  <a:pt x="1552727" y="0"/>
+                </a:lnTo>
+                <a:lnTo>
+                  <a:pt x="2835357" y="1223245"/>
+                </a:lnTo>
+                <a:close/>
+              </a:path>
+            </a:pathLst>
+          </a:custGeom>
+          <a:solidFill>
+            <a:schemeClr val="accent4">
+              <a:alpha val="30000"/>
+            </a:schemeClr>
+          </a:solidFill>
+          <a:ln>
+            <a:noFill/>
+          </a:ln>
+        </p:spPr>
+        <p:style>
+          <a:lnRef idx="2">
+            <a:schemeClr val="accent1">
+              <a:shade val="50000"/>
+            </a:schemeClr>
+          </a:lnRef>
+          <a:fillRef idx="1">
+            <a:schemeClr val="accent1"/>
+          </a:fillRef>
+          <a:effectRef idx="0">
+            <a:schemeClr val="accent1"/>
+          </a:effectRef>
+          <a:fontRef idx="minor">
+            <a:schemeClr val="lt1"/>
+          </a:fontRef>
+        </p:style>
+        <p:txBody>
+          <a:bodyPr wrap="square" rtlCol="0" anchor="ctr">
+            <a:noAutofit/>
+          </a:bodyPr>
+          <a:lstStyle/>
+          <a:p>
+            <a:pPr algn="ctr"/>
+            <a:endParaRPr lang="en-US" dirty="0"/>
+          </a:p>
+        </p:txBody>
+      </p:sp>
+      <p:sp>
+        <p:nvSpPr>
+          <p:cNvPr id="14" name="Isosceles Triangle 16">
+            <a:extLst>
+              <a:ext uri="{FF2B5EF4-FFF2-40B4-BE49-F238E27FC236}">
+                <a16:creationId xmlns:a16="http://schemas.microsoft.com/office/drawing/2014/main" id="{FF9F2414-84E8-453E-B1F3-389FDE8192D9}"/>
+              </a:ext>
+              <a:ext uri="{C183D7F6-B498-43B3-948B-1728B52AA6E4}">
+                <adec:decorative xmlns:adec="http://schemas.microsoft.com/office/drawing/2017/decorative" val="1"/>
+              </a:ext>
+            </a:extLst>
+          </p:cNvPr>
+          <p:cNvSpPr>
+            <a:spLocks noGrp="1" noRot="1" noChangeAspect="1" noMove="1" noResize="1" noEditPoints="1" noAdjustHandles="1" noChangeArrowheads="1" noChangeShapeType="1" noTextEdit="1"/>
+          </p:cNvSpPr>
+          <p:nvPr>
+            <p:extLst>
+              <p:ext uri="{386F3935-93C4-4BCD-93E2-E3B085C9AB24}">
+                <p16:designElem xmlns:p16="http://schemas.microsoft.com/office/powerpoint/2015/main" val="1"/>
+              </p:ext>
+            </p:extLst>
+          </p:nvPr>
+        </p:nvSpPr>
+        <p:spPr>
+          <a:xfrm flipH="1">
+            <a:off x="7976344" y="6115501"/>
+            <a:ext cx="1494513" cy="742499"/>
+          </a:xfrm>
+          <a:prstGeom prst="triangle">
+            <a:avLst/>
+          </a:prstGeom>
+          <a:solidFill>
+            <a:schemeClr val="accent1">
+              <a:alpha val="30000"/>
+            </a:schemeClr>
+          </a:solidFill>
+          <a:ln>
+            <a:noFill/>
+          </a:ln>
+        </p:spPr>
+        <p:style>
+          <a:lnRef idx="2">
+            <a:schemeClr val="accent1">
+              <a:shade val="50000"/>
+            </a:schemeClr>
+          </a:lnRef>
+          <a:fillRef idx="1">
+            <a:schemeClr val="accent1"/>
+          </a:fillRef>
+          <a:effectRef idx="0">
+            <a:schemeClr val="accent1"/>
+          </a:effectRef>
+          <a:fontRef idx="minor">
+            <a:schemeClr val="lt1"/>
+          </a:fontRef>
+        </p:style>
+        <p:txBody>
+          <a:bodyPr rtlCol="0" anchor="ctr"/>
+          <a:lstStyle/>
+          <a:p>
+            <a:pPr algn="ctr"/>
+            <a:endParaRPr lang="en-US"/>
+          </a:p>
+        </p:txBody>
+      </p:sp>
+      <p:sp>
+        <p:nvSpPr>
+          <p:cNvPr id="16" name="Isosceles Triangle 18">
+            <a:extLst>
+              <a:ext uri="{FF2B5EF4-FFF2-40B4-BE49-F238E27FC236}">
+                <a16:creationId xmlns:a16="http://schemas.microsoft.com/office/drawing/2014/main" id="{3ECA69A1-7536-43AC-85EF-C7106179F5ED}"/>
+              </a:ext>
+              <a:ext uri="{C183D7F6-B498-43B3-948B-1728B52AA6E4}">
+                <adec:decorative xmlns:adec="http://schemas.microsoft.com/office/drawing/2017/decorative" val="1"/>
+              </a:ext>
+            </a:extLst>
+          </p:cNvPr>
+          <p:cNvSpPr>
+            <a:spLocks noGrp="1" noRot="1" noChangeAspect="1" noMove="1" noResize="1" noEditPoints="1" noAdjustHandles="1" noChangeArrowheads="1" noChangeShapeType="1" noTextEdit="1"/>
+          </p:cNvSpPr>
+          <p:nvPr>
+            <p:extLst>
+              <p:ext uri="{386F3935-93C4-4BCD-93E2-E3B085C9AB24}">
+                <p16:designElem xmlns:p16="http://schemas.microsoft.com/office/powerpoint/2015/main" val="1"/>
+              </p:ext>
+            </p:extLst>
+          </p:nvPr>
+        </p:nvSpPr>
+        <p:spPr>
+          <a:xfrm flipH="1">
+            <a:off x="7604080" y="6453143"/>
+            <a:ext cx="814903" cy="404857"/>
+          </a:xfrm>
+          <a:prstGeom prst="triangle">
+            <a:avLst/>
+          </a:prstGeom>
+          <a:solidFill>
+            <a:schemeClr val="accent1">
+              <a:alpha val="30000"/>
+            </a:schemeClr>
+          </a:solidFill>
+          <a:ln>
+            <a:noFill/>
+          </a:ln>
+        </p:spPr>
+        <p:style>
+          <a:lnRef idx="2">
+            <a:schemeClr val="accent1">
+              <a:shade val="50000"/>
+            </a:schemeClr>
+          </a:lnRef>
+          <a:fillRef idx="1">
+            <a:schemeClr val="accent1"/>
+          </a:fillRef>
+          <a:effectRef idx="0">
+            <a:schemeClr val="accent1"/>
+          </a:effectRef>
+          <a:fontRef idx="minor">
+            <a:schemeClr val="lt1"/>
+          </a:fontRef>
+        </p:style>
+        <p:txBody>
+          <a:bodyPr rtlCol="0" anchor="ctr"/>
+          <a:lstStyle/>
+          <a:p>
+            <a:pPr algn="ctr"/>
+            <a:endParaRPr lang="en-US"/>
+          </a:p>
+        </p:txBody>
+      </p:sp>
+      <p:pic>
+        <p:nvPicPr>
+          <p:cNvPr id="7" name="Picture 6">
+            <a:extLst>
+              <a:ext uri="{FF2B5EF4-FFF2-40B4-BE49-F238E27FC236}">
+                <a16:creationId xmlns:a16="http://schemas.microsoft.com/office/drawing/2014/main" id="{57654F86-EC7B-87AA-DC6F-C80C2B27CF1B}"/>
+              </a:ext>
+            </a:extLst>
+          </p:cNvPr>
+          <p:cNvPicPr>
+            <a:picLocks noChangeAspect="1"/>
+          </p:cNvPicPr>
+          <p:nvPr/>
+        </p:nvPicPr>
+        <p:blipFill rotWithShape="1">
+          <a:blip r:embed="rId2"/>
+          <a:srcRect b="5721"/>
+          <a:stretch/>
+        </p:blipFill>
+        <p:spPr>
+          <a:xfrm>
+            <a:off x="1783503" y="1142004"/>
+            <a:ext cx="8624993" cy="4573992"/>
+          </a:xfrm>
+          <a:prstGeom prst="rect">
+            <a:avLst/>
+          </a:prstGeom>
+        </p:spPr>
+      </p:pic>
+      <p:pic>
+        <p:nvPicPr>
+          <p:cNvPr id="9" name="Picture 2" descr="Northeastern University Logo and symbol, meaning, history ...">
+            <a:extLst>
+              <a:ext uri="{FF2B5EF4-FFF2-40B4-BE49-F238E27FC236}">
+                <a16:creationId xmlns:a16="http://schemas.microsoft.com/office/drawing/2014/main" id="{1D22BE67-A7CD-4C01-517E-98F6995863AD}"/>
+              </a:ext>
+            </a:extLst>
+          </p:cNvPr>
+          <p:cNvPicPr>
+            <a:picLocks noChangeAspect="1" noChangeArrowheads="1"/>
+          </p:cNvPicPr>
+          <p:nvPr/>
+        </p:nvPicPr>
+        <p:blipFill>
+          <a:blip r:embed="rId3">
+            <a:extLst>
+              <a:ext uri="{28A0092B-C50C-407E-A947-70E740481C1C}">
+                <a14:useLocalDpi xmlns:a14="http://schemas.microsoft.com/office/drawing/2010/main" val="0"/>
+              </a:ext>
+            </a:extLst>
+          </a:blip>
+          <a:srcRect/>
+          <a:stretch>
+            <a:fillRect/>
+          </a:stretch>
+        </p:blipFill>
+        <p:spPr bwMode="auto">
+          <a:xfrm>
+            <a:off x="0" y="0"/>
+            <a:ext cx="1389529" cy="781610"/>
+          </a:xfrm>
+          <a:prstGeom prst="rect">
+            <a:avLst/>
+          </a:prstGeom>
+          <a:noFill/>
+          <a:extLst>
+            <a:ext uri="{909E8E84-426E-40DD-AFC4-6F175D3DCCD1}">
+              <a14:hiddenFill xmlns:a14="http://schemas.microsoft.com/office/drawing/2010/main">
+                <a:solidFill>
+                  <a:srgbClr val="FFFFFF"/>
+                </a:solidFill>
+              </a14:hiddenFill>
+            </a:ext>
+          </a:extLst>
+        </p:spPr>
+      </p:pic>
+    </p:spTree>
+    <p:extLst>
+      <p:ext uri="{BB962C8B-B14F-4D97-AF65-F5344CB8AC3E}">
+        <p14:creationId xmlns:p14="http://schemas.microsoft.com/office/powerpoint/2010/main" val="2432597356"/>
+      </p:ext>
+    </p:extLst>
+  </p:cSld>
+  <p:clrMapOvr>
+    <a:masterClrMapping/>
+  </p:clrMapOvr>
+</p:sld>
+</file>
+
+<file path=ppt/slides/slide14.xml><?xml version="1.0" encoding="utf-8"?>
+<p:sld xmlns:a="http://schemas.openxmlformats.org/drawingml/2006/main" xmlns:r="http://schemas.openxmlformats.org/officeDocument/2006/relationships" xmlns:p="http://schemas.openxmlformats.org/presentationml/2006/main">
+  <p:cSld>
+    <p:bg>
+      <p:bgPr>
+        <a:solidFill>
+          <a:schemeClr val="bg1"/>
+        </a:solidFill>
+        <a:effectLst/>
+      </p:bgPr>
+    </p:bg>
+    <p:spTree>
+      <p:nvGrpSpPr>
+        <p:cNvPr id="1" name=""/>
+        <p:cNvGrpSpPr/>
+        <p:nvPr/>
+      </p:nvGrpSpPr>
+      <p:grpSpPr>
+        <a:xfrm>
+          <a:off x="0" y="0"/>
+          <a:ext cx="0" cy="0"/>
+          <a:chOff x="0" y="0"/>
+          <a:chExt cx="0" cy="0"/>
+        </a:xfrm>
+      </p:grpSpPr>
+      <p:sp>
+        <p:nvSpPr>
+          <p:cNvPr id="4" name="Rectangle 6">
+            <a:extLst>
+              <a:ext uri="{FF2B5EF4-FFF2-40B4-BE49-F238E27FC236}">
+                <a16:creationId xmlns:a16="http://schemas.microsoft.com/office/drawing/2014/main" id="{F3060C83-F051-4F0E-ABAD-AA0DFC48B218}"/>
+              </a:ext>
+              <a:ext uri="{C183D7F6-B498-43B3-948B-1728B52AA6E4}">
+                <adec:decorative xmlns:adec="http://schemas.microsoft.com/office/drawing/2017/decorative" val="1"/>
+              </a:ext>
+            </a:extLst>
+          </p:cNvPr>
+          <p:cNvSpPr>
+            <a:spLocks noGrp="1" noRot="1" noChangeAspect="1" noMove="1" noResize="1" noEditPoints="1" noAdjustHandles="1" noChangeArrowheads="1" noChangeShapeType="1" noTextEdit="1"/>
+          </p:cNvSpPr>
+          <p:nvPr>
+            <p:extLst>
+              <p:ext uri="{386F3935-93C4-4BCD-93E2-E3B085C9AB24}">
+                <p16:designElem xmlns:p16="http://schemas.microsoft.com/office/powerpoint/2015/main" val="1"/>
+              </p:ext>
+            </p:extLst>
+          </p:nvPr>
+        </p:nvSpPr>
+        <p:spPr>
+          <a:xfrm>
+            <a:off x="0" y="0"/>
+            <a:ext cx="12192000" cy="6858000"/>
+          </a:xfrm>
+          <a:prstGeom prst="rect">
+            <a:avLst/>
+          </a:prstGeom>
+          <a:solidFill>
+            <a:schemeClr val="bg1"/>
+          </a:solidFill>
+          <a:ln>
+            <a:noFill/>
+          </a:ln>
+        </p:spPr>
+        <p:style>
+          <a:lnRef idx="2">
+            <a:schemeClr val="accent1">
+              <a:shade val="50000"/>
+            </a:schemeClr>
+          </a:lnRef>
+          <a:fillRef idx="1">
+            <a:schemeClr val="accent1"/>
+          </a:fillRef>
+          <a:effectRef idx="0">
+            <a:schemeClr val="accent1"/>
+          </a:effectRef>
+          <a:fontRef idx="minor">
+            <a:schemeClr val="lt1"/>
+          </a:fontRef>
+        </p:style>
+        <p:txBody>
+          <a:bodyPr rtlCol="0" anchor="ctr"/>
+          <a:lstStyle/>
+          <a:p>
+            <a:pPr algn="ctr"/>
+            <a:endParaRPr lang="en-US" dirty="0"/>
+          </a:p>
+        </p:txBody>
+      </p:sp>
+      <p:sp>
+        <p:nvSpPr>
+          <p:cNvPr id="5" name="Freeform: Shape 8">
+            <a:extLst>
+              <a:ext uri="{FF2B5EF4-FFF2-40B4-BE49-F238E27FC236}">
+                <a16:creationId xmlns:a16="http://schemas.microsoft.com/office/drawing/2014/main" id="{83C98ABE-055B-441F-B07E-44F97F083C39}"/>
+              </a:ext>
+              <a:ext uri="{C183D7F6-B498-43B3-948B-1728B52AA6E4}">
+                <adec:decorative xmlns:adec="http://schemas.microsoft.com/office/drawing/2017/decorative" val="1"/>
+              </a:ext>
+            </a:extLst>
+          </p:cNvPr>
+          <p:cNvSpPr>
+            <a:spLocks noGrp="1" noRot="1" noChangeAspect="1" noMove="1" noResize="1" noEditPoints="1" noAdjustHandles="1" noChangeArrowheads="1" noChangeShapeType="1" noTextEdit="1"/>
+          </p:cNvSpPr>
+          <p:nvPr>
+            <p:extLst>
+              <p:ext uri="{386F3935-93C4-4BCD-93E2-E3B085C9AB24}">
+                <p16:designElem xmlns:p16="http://schemas.microsoft.com/office/powerpoint/2015/main" val="1"/>
+              </p:ext>
+            </p:extLst>
+          </p:nvPr>
+        </p:nvSpPr>
+        <p:spPr>
+          <a:xfrm rot="18900000" flipH="1">
+            <a:off x="-376156" y="-253670"/>
+            <a:ext cx="1827638" cy="1376989"/>
+          </a:xfrm>
+          <a:custGeom>
+            <a:avLst/>
+            <a:gdLst>
+              <a:gd name="connsiteX0" fmla="*/ 0 w 1827638"/>
+              <a:gd name="connsiteY0" fmla="*/ 987379 h 1376989"/>
+              <a:gd name="connsiteX1" fmla="*/ 987379 w 1827638"/>
+              <a:gd name="connsiteY1" fmla="*/ 0 h 1376989"/>
+              <a:gd name="connsiteX2" fmla="*/ 1827638 w 1827638"/>
+              <a:gd name="connsiteY2" fmla="*/ 840260 h 1376989"/>
+              <a:gd name="connsiteX3" fmla="*/ 1827638 w 1827638"/>
+              <a:gd name="connsiteY3" fmla="*/ 1376989 h 1376989"/>
+              <a:gd name="connsiteX4" fmla="*/ 0 w 1827638"/>
+              <a:gd name="connsiteY4" fmla="*/ 1376989 h 1376989"/>
+            </a:gdLst>
+            <a:ahLst/>
+            <a:cxnLst>
+              <a:cxn ang="0">
+                <a:pos x="connsiteX0" y="connsiteY0"/>
+              </a:cxn>
+              <a:cxn ang="0">
+                <a:pos x="connsiteX1" y="connsiteY1"/>
+              </a:cxn>
+              <a:cxn ang="0">
+                <a:pos x="connsiteX2" y="connsiteY2"/>
+              </a:cxn>
+              <a:cxn ang="0">
+                <a:pos x="connsiteX3" y="connsiteY3"/>
+              </a:cxn>
+              <a:cxn ang="0">
+                <a:pos x="connsiteX4" y="connsiteY4"/>
+              </a:cxn>
+            </a:cxnLst>
+            <a:rect l="l" t="t" r="r" b="b"/>
+            <a:pathLst>
+              <a:path w="1827638" h="1376989">
+                <a:moveTo>
+                  <a:pt x="0" y="987379"/>
+                </a:moveTo>
+                <a:lnTo>
+                  <a:pt x="987379" y="0"/>
+                </a:lnTo>
+                <a:lnTo>
+                  <a:pt x="1827638" y="840260"/>
+                </a:lnTo>
+                <a:lnTo>
+                  <a:pt x="1827638" y="1376989"/>
+                </a:lnTo>
+                <a:lnTo>
+                  <a:pt x="0" y="1376989"/>
+                </a:lnTo>
+                <a:close/>
+              </a:path>
+            </a:pathLst>
+          </a:custGeom>
+          <a:solidFill>
+            <a:schemeClr val="accent1">
+              <a:alpha val="30000"/>
+            </a:schemeClr>
+          </a:solidFill>
+          <a:ln>
+            <a:noFill/>
+          </a:ln>
+        </p:spPr>
+        <p:style>
+          <a:lnRef idx="2">
+            <a:schemeClr val="accent1">
+              <a:shade val="50000"/>
+            </a:schemeClr>
+          </a:lnRef>
+          <a:fillRef idx="1">
+            <a:schemeClr val="accent1"/>
+          </a:fillRef>
+          <a:effectRef idx="0">
+            <a:schemeClr val="accent1"/>
+          </a:effectRef>
+          <a:fontRef idx="minor">
+            <a:schemeClr val="lt1"/>
+          </a:fontRef>
+        </p:style>
+        <p:txBody>
+          <a:bodyPr rtlCol="0" anchor="ctr"/>
+          <a:lstStyle/>
+          <a:p>
+            <a:pPr algn="ctr"/>
+            <a:endParaRPr lang="en-US" dirty="0"/>
+          </a:p>
+        </p:txBody>
+      </p:sp>
+      <p:sp>
+        <p:nvSpPr>
+          <p:cNvPr id="6" name="Rectangle 10">
+            <a:extLst>
+              <a:ext uri="{FF2B5EF4-FFF2-40B4-BE49-F238E27FC236}">
+                <a16:creationId xmlns:a16="http://schemas.microsoft.com/office/drawing/2014/main" id="{29FDB030-9B49-4CED-8CCD-4D99382388AC}"/>
+              </a:ext>
+              <a:ext uri="{C183D7F6-B498-43B3-948B-1728B52AA6E4}">
+                <adec:decorative xmlns:adec="http://schemas.microsoft.com/office/drawing/2017/decorative" val="1"/>
+              </a:ext>
+            </a:extLst>
+          </p:cNvPr>
+          <p:cNvSpPr>
+            <a:spLocks noGrp="1" noRot="1" noChangeAspect="1" noMove="1" noResize="1" noEditPoints="1" noAdjustHandles="1" noChangeArrowheads="1" noChangeShapeType="1" noTextEdit="1"/>
+          </p:cNvSpPr>
+          <p:nvPr>
+            <p:extLst>
+              <p:ext uri="{386F3935-93C4-4BCD-93E2-E3B085C9AB24}">
+                <p16:designElem xmlns:p16="http://schemas.microsoft.com/office/powerpoint/2015/main" val="1"/>
+              </p:ext>
+            </p:extLst>
+          </p:nvPr>
+        </p:nvSpPr>
+        <p:spPr>
+          <a:xfrm rot="18900000" flipH="1">
+            <a:off x="891641" y="422146"/>
+            <a:ext cx="645368" cy="645368"/>
+          </a:xfrm>
+          <a:prstGeom prst="rect">
+            <a:avLst/>
+          </a:prstGeom>
+          <a:solidFill>
+            <a:schemeClr val="accent1">
+              <a:alpha val="30000"/>
+            </a:schemeClr>
+          </a:solidFill>
+          <a:ln>
+            <a:noFill/>
+          </a:ln>
+        </p:spPr>
+        <p:style>
+          <a:lnRef idx="2">
+            <a:schemeClr val="accent1">
+              <a:shade val="50000"/>
+            </a:schemeClr>
+          </a:lnRef>
+          <a:fillRef idx="1">
+            <a:schemeClr val="accent1"/>
+          </a:fillRef>
+          <a:effectRef idx="0">
+            <a:schemeClr val="accent1"/>
+          </a:effectRef>
+          <a:fontRef idx="minor">
+            <a:schemeClr val="lt1"/>
+          </a:fontRef>
+        </p:style>
+        <p:txBody>
+          <a:bodyPr rtlCol="0" anchor="ctr"/>
+          <a:lstStyle/>
+          <a:p>
+            <a:pPr algn="ctr"/>
+            <a:endParaRPr lang="en-US"/>
+          </a:p>
+        </p:txBody>
+      </p:sp>
+      <p:sp>
+        <p:nvSpPr>
+          <p:cNvPr id="8" name="Rectangle 12">
+            <a:extLst>
+              <a:ext uri="{FF2B5EF4-FFF2-40B4-BE49-F238E27FC236}">
+                <a16:creationId xmlns:a16="http://schemas.microsoft.com/office/drawing/2014/main" id="{3783CA14-24A1-485C-8B30-D6A5D87987AD}"/>
+              </a:ext>
+              <a:ext uri="{C183D7F6-B498-43B3-948B-1728B52AA6E4}">
+                <adec:decorative xmlns:adec="http://schemas.microsoft.com/office/drawing/2017/decorative" val="1"/>
+              </a:ext>
+            </a:extLst>
+          </p:cNvPr>
+          <p:cNvSpPr>
+            <a:spLocks noGrp="1" noRot="1" noChangeAspect="1" noMove="1" noResize="1" noEditPoints="1" noAdjustHandles="1" noChangeArrowheads="1" noChangeShapeType="1" noTextEdit="1"/>
+          </p:cNvSpPr>
+          <p:nvPr>
+            <p:extLst>
+              <p:ext uri="{386F3935-93C4-4BCD-93E2-E3B085C9AB24}">
+                <p16:designElem xmlns:p16="http://schemas.microsoft.com/office/powerpoint/2015/main" val="1"/>
+              </p:ext>
+            </p:extLst>
+          </p:nvPr>
+        </p:nvSpPr>
+        <p:spPr>
+          <a:xfrm rot="18900000" flipH="1">
+            <a:off x="10043482" y="655140"/>
+            <a:ext cx="687472" cy="687472"/>
+          </a:xfrm>
+          <a:prstGeom prst="rect">
+            <a:avLst/>
+          </a:prstGeom>
+          <a:solidFill>
+            <a:schemeClr val="accent4">
+              <a:alpha val="30000"/>
+            </a:schemeClr>
+          </a:solidFill>
+          <a:ln>
+            <a:noFill/>
+          </a:ln>
+        </p:spPr>
+        <p:style>
+          <a:lnRef idx="2">
+            <a:schemeClr val="accent1">
+              <a:shade val="50000"/>
+            </a:schemeClr>
+          </a:lnRef>
+          <a:fillRef idx="1">
+            <a:schemeClr val="accent1"/>
+          </a:fillRef>
+          <a:effectRef idx="0">
+            <a:schemeClr val="accent1"/>
+          </a:effectRef>
+          <a:fontRef idx="minor">
+            <a:schemeClr val="lt1"/>
+          </a:fontRef>
+        </p:style>
+        <p:txBody>
+          <a:bodyPr rtlCol="0" anchor="ctr"/>
+          <a:lstStyle/>
+          <a:p>
+            <a:pPr algn="ctr"/>
+            <a:endParaRPr lang="en-US"/>
+          </a:p>
+        </p:txBody>
+      </p:sp>
+      <p:sp>
+        <p:nvSpPr>
+          <p:cNvPr id="12" name="Freeform: Shape 14">
+            <a:extLst>
+              <a:ext uri="{FF2B5EF4-FFF2-40B4-BE49-F238E27FC236}">
+                <a16:creationId xmlns:a16="http://schemas.microsoft.com/office/drawing/2014/main" id="{9A97C86A-04D6-40F7-AE84-31AB43E6A846}"/>
+              </a:ext>
+              <a:ext uri="{C183D7F6-B498-43B3-948B-1728B52AA6E4}">
+                <adec:decorative xmlns:adec="http://schemas.microsoft.com/office/drawing/2017/decorative" val="1"/>
+              </a:ext>
+            </a:extLst>
+          </p:cNvPr>
+          <p:cNvSpPr>
+            <a:spLocks noGrp="1" noRot="1" noChangeAspect="1" noMove="1" noResize="1" noEditPoints="1" noAdjustHandles="1" noChangeArrowheads="1" noChangeShapeType="1" noTextEdit="1"/>
+          </p:cNvSpPr>
+          <p:nvPr>
+            <p:extLst>
+              <p:ext uri="{386F3935-93C4-4BCD-93E2-E3B085C9AB24}">
+                <p16:designElem xmlns:p16="http://schemas.microsoft.com/office/powerpoint/2015/main" val="1"/>
+              </p:ext>
+            </p:extLst>
+          </p:nvPr>
+        </p:nvSpPr>
+        <p:spPr>
+          <a:xfrm rot="10800000" flipH="1">
+            <a:off x="9356643" y="0"/>
+            <a:ext cx="2835357" cy="1480837"/>
+          </a:xfrm>
+          <a:custGeom>
+            <a:avLst/>
+            <a:gdLst>
+              <a:gd name="connsiteX0" fmla="*/ 2835357 w 2835357"/>
+              <a:gd name="connsiteY0" fmla="*/ 1480837 h 1480837"/>
+              <a:gd name="connsiteX1" fmla="*/ 0 w 2835357"/>
+              <a:gd name="connsiteY1" fmla="*/ 1480837 h 1480837"/>
+              <a:gd name="connsiteX2" fmla="*/ 1552727 w 2835357"/>
+              <a:gd name="connsiteY2" fmla="*/ 0 h 1480837"/>
+              <a:gd name="connsiteX3" fmla="*/ 2835357 w 2835357"/>
+              <a:gd name="connsiteY3" fmla="*/ 1223245 h 1480837"/>
+            </a:gdLst>
+            <a:ahLst/>
+            <a:cxnLst>
+              <a:cxn ang="0">
+                <a:pos x="connsiteX0" y="connsiteY0"/>
+              </a:cxn>
+              <a:cxn ang="0">
+                <a:pos x="connsiteX1" y="connsiteY1"/>
+              </a:cxn>
+              <a:cxn ang="0">
+                <a:pos x="connsiteX2" y="connsiteY2"/>
+              </a:cxn>
+              <a:cxn ang="0">
+                <a:pos x="connsiteX3" y="connsiteY3"/>
+              </a:cxn>
+            </a:cxnLst>
+            <a:rect l="l" t="t" r="r" b="b"/>
+            <a:pathLst>
+              <a:path w="2835357" h="1480837">
+                <a:moveTo>
+                  <a:pt x="2835357" y="1480837"/>
+                </a:moveTo>
+                <a:lnTo>
+                  <a:pt x="0" y="1480837"/>
+                </a:lnTo>
+                <a:lnTo>
+                  <a:pt x="1552727" y="0"/>
+                </a:lnTo>
+                <a:lnTo>
+                  <a:pt x="2835357" y="1223245"/>
+                </a:lnTo>
+                <a:close/>
+              </a:path>
+            </a:pathLst>
+          </a:custGeom>
+          <a:solidFill>
+            <a:schemeClr val="accent4">
+              <a:alpha val="30000"/>
+            </a:schemeClr>
+          </a:solidFill>
+          <a:ln>
+            <a:noFill/>
+          </a:ln>
+        </p:spPr>
+        <p:style>
+          <a:lnRef idx="2">
+            <a:schemeClr val="accent1">
+              <a:shade val="50000"/>
+            </a:schemeClr>
+          </a:lnRef>
+          <a:fillRef idx="1">
+            <a:schemeClr val="accent1"/>
+          </a:fillRef>
+          <a:effectRef idx="0">
+            <a:schemeClr val="accent1"/>
+          </a:effectRef>
+          <a:fontRef idx="minor">
+            <a:schemeClr val="lt1"/>
+          </a:fontRef>
+        </p:style>
+        <p:txBody>
+          <a:bodyPr wrap="square" rtlCol="0" anchor="ctr">
+            <a:noAutofit/>
+          </a:bodyPr>
+          <a:lstStyle/>
+          <a:p>
+            <a:pPr algn="ctr"/>
+            <a:endParaRPr lang="en-US" dirty="0"/>
+          </a:p>
+        </p:txBody>
+      </p:sp>
+      <p:sp>
+        <p:nvSpPr>
+          <p:cNvPr id="14" name="Isosceles Triangle 16">
+            <a:extLst>
+              <a:ext uri="{FF2B5EF4-FFF2-40B4-BE49-F238E27FC236}">
+                <a16:creationId xmlns:a16="http://schemas.microsoft.com/office/drawing/2014/main" id="{FF9F2414-84E8-453E-B1F3-389FDE8192D9}"/>
+              </a:ext>
+              <a:ext uri="{C183D7F6-B498-43B3-948B-1728B52AA6E4}">
+                <adec:decorative xmlns:adec="http://schemas.microsoft.com/office/drawing/2017/decorative" val="1"/>
+              </a:ext>
+            </a:extLst>
+          </p:cNvPr>
+          <p:cNvSpPr>
+            <a:spLocks noGrp="1" noRot="1" noChangeAspect="1" noMove="1" noResize="1" noEditPoints="1" noAdjustHandles="1" noChangeArrowheads="1" noChangeShapeType="1" noTextEdit="1"/>
+          </p:cNvSpPr>
+          <p:nvPr>
+            <p:extLst>
+              <p:ext uri="{386F3935-93C4-4BCD-93E2-E3B085C9AB24}">
+                <p16:designElem xmlns:p16="http://schemas.microsoft.com/office/powerpoint/2015/main" val="1"/>
+              </p:ext>
+            </p:extLst>
+          </p:nvPr>
+        </p:nvSpPr>
+        <p:spPr>
+          <a:xfrm flipH="1">
+            <a:off x="7976344" y="6115501"/>
+            <a:ext cx="1494513" cy="742499"/>
+          </a:xfrm>
+          <a:prstGeom prst="triangle">
+            <a:avLst/>
+          </a:prstGeom>
+          <a:solidFill>
+            <a:schemeClr val="accent1">
+              <a:alpha val="30000"/>
+            </a:schemeClr>
+          </a:solidFill>
+          <a:ln>
+            <a:noFill/>
+          </a:ln>
+        </p:spPr>
+        <p:style>
+          <a:lnRef idx="2">
+            <a:schemeClr val="accent1">
+              <a:shade val="50000"/>
+            </a:schemeClr>
+          </a:lnRef>
+          <a:fillRef idx="1">
+            <a:schemeClr val="accent1"/>
+          </a:fillRef>
+          <a:effectRef idx="0">
+            <a:schemeClr val="accent1"/>
+          </a:effectRef>
+          <a:fontRef idx="minor">
+            <a:schemeClr val="lt1"/>
+          </a:fontRef>
+        </p:style>
+        <p:txBody>
+          <a:bodyPr rtlCol="0" anchor="ctr"/>
+          <a:lstStyle/>
+          <a:p>
+            <a:pPr algn="ctr"/>
+            <a:endParaRPr lang="en-US"/>
+          </a:p>
+        </p:txBody>
+      </p:sp>
+      <p:sp>
+        <p:nvSpPr>
+          <p:cNvPr id="16" name="Isosceles Triangle 18">
+            <a:extLst>
+              <a:ext uri="{FF2B5EF4-FFF2-40B4-BE49-F238E27FC236}">
+                <a16:creationId xmlns:a16="http://schemas.microsoft.com/office/drawing/2014/main" id="{3ECA69A1-7536-43AC-85EF-C7106179F5ED}"/>
+              </a:ext>
+              <a:ext uri="{C183D7F6-B498-43B3-948B-1728B52AA6E4}">
+                <adec:decorative xmlns:adec="http://schemas.microsoft.com/office/drawing/2017/decorative" val="1"/>
+              </a:ext>
+            </a:extLst>
+          </p:cNvPr>
+          <p:cNvSpPr>
+            <a:spLocks noGrp="1" noRot="1" noChangeAspect="1" noMove="1" noResize="1" noEditPoints="1" noAdjustHandles="1" noChangeArrowheads="1" noChangeShapeType="1" noTextEdit="1"/>
+          </p:cNvSpPr>
+          <p:nvPr>
+            <p:extLst>
+              <p:ext uri="{386F3935-93C4-4BCD-93E2-E3B085C9AB24}">
+                <p16:designElem xmlns:p16="http://schemas.microsoft.com/office/powerpoint/2015/main" val="1"/>
+              </p:ext>
+            </p:extLst>
+          </p:nvPr>
+        </p:nvSpPr>
+        <p:spPr>
+          <a:xfrm flipH="1">
+            <a:off x="7604080" y="6453143"/>
+            <a:ext cx="814903" cy="404857"/>
+          </a:xfrm>
+          <a:prstGeom prst="triangle">
+            <a:avLst/>
+          </a:prstGeom>
+          <a:solidFill>
+            <a:schemeClr val="accent1">
+              <a:alpha val="30000"/>
+            </a:schemeClr>
+          </a:solidFill>
+          <a:ln>
+            <a:noFill/>
+          </a:ln>
+        </p:spPr>
+        <p:style>
+          <a:lnRef idx="2">
+            <a:schemeClr val="accent1">
+              <a:shade val="50000"/>
+            </a:schemeClr>
+          </a:lnRef>
+          <a:fillRef idx="1">
+            <a:schemeClr val="accent1"/>
+          </a:fillRef>
+          <a:effectRef idx="0">
+            <a:schemeClr val="accent1"/>
+          </a:effectRef>
+          <a:fontRef idx="minor">
+            <a:schemeClr val="lt1"/>
+          </a:fontRef>
+        </p:style>
+        <p:txBody>
+          <a:bodyPr rtlCol="0" anchor="ctr"/>
+          <a:lstStyle/>
+          <a:p>
+            <a:pPr algn="ctr"/>
+            <a:endParaRPr lang="en-US"/>
+          </a:p>
+        </p:txBody>
+      </p:sp>
+      <p:pic>
+        <p:nvPicPr>
+          <p:cNvPr id="7" name="Picture 6">
+            <a:extLst>
+              <a:ext uri="{FF2B5EF4-FFF2-40B4-BE49-F238E27FC236}">
+                <a16:creationId xmlns:a16="http://schemas.microsoft.com/office/drawing/2014/main" id="{57654F86-EC7B-87AA-DC6F-C80C2B27CF1B}"/>
+              </a:ext>
+            </a:extLst>
+          </p:cNvPr>
+          <p:cNvPicPr>
+            <a:picLocks noChangeAspect="1"/>
+          </p:cNvPicPr>
+          <p:nvPr/>
+        </p:nvPicPr>
+        <p:blipFill rotWithShape="1">
+          <a:blip r:embed="rId2"/>
+          <a:srcRect b="5721"/>
+          <a:stretch/>
+        </p:blipFill>
+        <p:spPr>
+          <a:xfrm>
+            <a:off x="1783503" y="1142004"/>
+            <a:ext cx="8624993" cy="4573992"/>
+          </a:xfrm>
+          <a:prstGeom prst="rect">
+            <a:avLst/>
+          </a:prstGeom>
+        </p:spPr>
+      </p:pic>
+      <p:pic>
+        <p:nvPicPr>
+          <p:cNvPr id="3" name="Picture 2">
+            <a:extLst>
+              <a:ext uri="{FF2B5EF4-FFF2-40B4-BE49-F238E27FC236}">
+                <a16:creationId xmlns:a16="http://schemas.microsoft.com/office/drawing/2014/main" id="{1FE6D680-5D76-476E-BF7B-8A7A834D3942}"/>
+              </a:ext>
+            </a:extLst>
+          </p:cNvPr>
+          <p:cNvPicPr>
+            <a:picLocks noChangeAspect="1"/>
+          </p:cNvPicPr>
+          <p:nvPr/>
+        </p:nvPicPr>
+        <p:blipFill>
+          <a:blip r:embed="rId3"/>
+          <a:stretch>
+            <a:fillRect/>
+          </a:stretch>
+        </p:blipFill>
+        <p:spPr>
+          <a:xfrm>
+            <a:off x="1783503" y="1142004"/>
+            <a:ext cx="8624992" cy="4851559"/>
+          </a:xfrm>
+          <a:prstGeom prst="rect">
+            <a:avLst/>
+          </a:prstGeom>
+        </p:spPr>
+      </p:pic>
+      <p:pic>
+        <p:nvPicPr>
+          <p:cNvPr id="9" name="Picture 2" descr="Northeastern University Logo and symbol, meaning, history ...">
+            <a:extLst>
+              <a:ext uri="{FF2B5EF4-FFF2-40B4-BE49-F238E27FC236}">
+                <a16:creationId xmlns:a16="http://schemas.microsoft.com/office/drawing/2014/main" id="{18F77B7C-2015-DEF8-8851-87A38B0271BC}"/>
+              </a:ext>
+            </a:extLst>
+          </p:cNvPr>
+          <p:cNvPicPr>
+            <a:picLocks noChangeAspect="1" noChangeArrowheads="1"/>
+          </p:cNvPicPr>
+          <p:nvPr/>
+        </p:nvPicPr>
+        <p:blipFill>
+          <a:blip r:embed="rId4">
+            <a:extLst>
+              <a:ext uri="{28A0092B-C50C-407E-A947-70E740481C1C}">
+                <a14:useLocalDpi xmlns:a14="http://schemas.microsoft.com/office/drawing/2010/main" val="0"/>
+              </a:ext>
+            </a:extLst>
+          </a:blip>
+          <a:srcRect/>
+          <a:stretch>
+            <a:fillRect/>
+          </a:stretch>
+        </p:blipFill>
+        <p:spPr bwMode="auto">
+          <a:xfrm>
+            <a:off x="0" y="0"/>
+            <a:ext cx="1389529" cy="781610"/>
+          </a:xfrm>
+          <a:prstGeom prst="rect">
+            <a:avLst/>
+          </a:prstGeom>
+          <a:noFill/>
+          <a:extLst>
+            <a:ext uri="{909E8E84-426E-40DD-AFC4-6F175D3DCCD1}">
+              <a14:hiddenFill xmlns:a14="http://schemas.microsoft.com/office/drawing/2010/main">
+                <a:solidFill>
+                  <a:srgbClr val="FFFFFF"/>
+                </a:solidFill>
+              </a14:hiddenFill>
+            </a:ext>
+          </a:extLst>
+        </p:spPr>
+      </p:pic>
+    </p:spTree>
+    <p:extLst>
+      <p:ext uri="{BB962C8B-B14F-4D97-AF65-F5344CB8AC3E}">
+        <p14:creationId xmlns:p14="http://schemas.microsoft.com/office/powerpoint/2010/main" val="3152728967"/>
+      </p:ext>
+    </p:extLst>
+  </p:cSld>
+  <p:clrMapOvr>
+    <a:masterClrMapping/>
+  </p:clrMapOvr>
+</p:sld>
+</file>
+
+<file path=ppt/slides/slide15.xml><?xml version="1.0" encoding="utf-8"?>
+<p:sld xmlns:a="http://schemas.openxmlformats.org/drawingml/2006/main" xmlns:r="http://schemas.openxmlformats.org/officeDocument/2006/relationships" xmlns:p="http://schemas.openxmlformats.org/presentationml/2006/main">
+  <p:cSld>
+    <p:spTree>
+      <p:nvGrpSpPr>
+        <p:cNvPr id="1" name=""/>
+        <p:cNvGrpSpPr/>
+        <p:nvPr/>
+      </p:nvGrpSpPr>
+      <p:grpSpPr>
+        <a:xfrm>
+          <a:off x="0" y="0"/>
+          <a:ext cx="0" cy="0"/>
+          <a:chOff x="0" y="0"/>
+          <a:chExt cx="0" cy="0"/>
+        </a:xfrm>
+      </p:grpSpPr>
+      <p:sp>
+        <p:nvSpPr>
+          <p:cNvPr id="2" name="Text Box 1">
+            <a:extLst>
+              <a:ext uri="{FF2B5EF4-FFF2-40B4-BE49-F238E27FC236}">
+                <a16:creationId xmlns:a16="http://schemas.microsoft.com/office/drawing/2014/main" id="{21E659B7-A536-97B1-3439-2CFED65A1F2C}"/>
+              </a:ext>
+            </a:extLst>
+          </p:cNvPr>
+          <p:cNvSpPr txBox="1"/>
+          <p:nvPr/>
+        </p:nvSpPr>
+        <p:spPr>
+          <a:xfrm>
+            <a:off x="4389007" y="179562"/>
+            <a:ext cx="3413982" cy="585178"/>
+          </a:xfrm>
+          <a:prstGeom prst="rect">
+            <a:avLst/>
+          </a:prstGeom>
+          <a:noFill/>
+          <a:ln>
+            <a:noFill/>
+          </a:ln>
+        </p:spPr>
+        <p:txBody>
+          <a:bodyPr rot="0" spcFirstLastPara="0" vert="horz" wrap="none" lIns="91440" tIns="45720" rIns="91440" bIns="45720" numCol="1" spcCol="0" rtlCol="0" fromWordArt="0" anchor="t" anchorCtr="0" forceAA="0" compatLnSpc="1">
+            <a:prstTxWarp prst="textNoShape">
+              <a:avLst/>
+            </a:prstTxWarp>
+            <a:noAutofit/>
+          </a:bodyPr>
+          <a:lstStyle/>
+          <a:p>
+            <a:pPr algn="ctr" defTabSz="640080">
+              <a:lnSpc>
+                <a:spcPct val="107000"/>
+              </a:lnSpc>
+              <a:spcAft>
+                <a:spcPts val="560"/>
+              </a:spcAft>
+            </a:pPr>
+            <a:r>
+              <a:rPr lang="en-IN" sz="3350" b="1" kern="100" dirty="0">
+                <a:ln w="9525" cap="flat" cmpd="sng" algn="ctr">
+                  <a:solidFill>
+                    <a:srgbClr val="FFFFFF"/>
+                  </a:solidFill>
+                  <a:prstDash val="solid"/>
+                  <a:round/>
+                </a:ln>
+                <a:solidFill>
+                  <a:srgbClr val="000000"/>
+                </a:solidFill>
+                <a:effectLst>
+                  <a:outerShdw blurRad="12700" dist="38100" dir="2700000" algn="tl">
+                    <a:schemeClr val="bg1">
+                      <a:lumMod val="50000"/>
+                    </a:schemeClr>
+                  </a:outerShdw>
+                </a:effectLst>
+                <a:latin typeface="Calibri"/>
+                <a:cs typeface="Times New Roman"/>
+              </a:rPr>
+              <a:t>Players and contributions</a:t>
+            </a:r>
+            <a:endParaRPr lang="en-US" dirty="0"/>
+          </a:p>
+        </p:txBody>
+      </p:sp>
+      <p:sp>
+        <p:nvSpPr>
+          <p:cNvPr id="3" name="TextBox 2">
+            <a:extLst>
+              <a:ext uri="{FF2B5EF4-FFF2-40B4-BE49-F238E27FC236}">
+                <a16:creationId xmlns:a16="http://schemas.microsoft.com/office/drawing/2014/main" id="{81D6FE63-DD54-4A4E-D568-631D6E221EAB}"/>
+              </a:ext>
+            </a:extLst>
+          </p:cNvPr>
+          <p:cNvSpPr txBox="1"/>
+          <p:nvPr/>
+        </p:nvSpPr>
+        <p:spPr>
+          <a:xfrm>
+            <a:off x="2142563" y="1679139"/>
+            <a:ext cx="7906870" cy="830997"/>
+          </a:xfrm>
+          <a:prstGeom prst="rect">
+            <a:avLst/>
+          </a:prstGeom>
+          <a:noFill/>
+        </p:spPr>
+        <p:txBody>
+          <a:bodyPr wrap="square" rtlCol="0">
+            <a:spAutoFit/>
+          </a:bodyPr>
+          <a:lstStyle/>
+          <a:p>
+            <a:pPr algn="ctr"/>
+            <a:r>
+              <a:rPr lang="en-IN" sz="2400" dirty="0" err="1"/>
+              <a:t>Saketh</a:t>
+            </a:r>
+            <a:r>
+              <a:rPr lang="en-IN" sz="2400" dirty="0"/>
+              <a:t> Sai: Pharmacy enterprise, Hospital enterprise, Component Diagram </a:t>
+            </a:r>
+          </a:p>
+        </p:txBody>
+      </p:sp>
+      <p:sp>
+        <p:nvSpPr>
+          <p:cNvPr id="4" name="TextBox 3">
+            <a:extLst>
+              <a:ext uri="{FF2B5EF4-FFF2-40B4-BE49-F238E27FC236}">
+                <a16:creationId xmlns:a16="http://schemas.microsoft.com/office/drawing/2014/main" id="{C8DCF6C4-01B9-5491-5F53-99BAAB7F38F6}"/>
+              </a:ext>
+            </a:extLst>
+          </p:cNvPr>
+          <p:cNvSpPr txBox="1"/>
+          <p:nvPr/>
+        </p:nvSpPr>
+        <p:spPr>
+          <a:xfrm>
+            <a:off x="1976715" y="3068189"/>
+            <a:ext cx="8252014" cy="830997"/>
+          </a:xfrm>
+          <a:prstGeom prst="rect">
+            <a:avLst/>
+          </a:prstGeom>
+          <a:noFill/>
+        </p:spPr>
+        <p:txBody>
+          <a:bodyPr wrap="square" rtlCol="0">
+            <a:spAutoFit/>
+          </a:bodyPr>
+          <a:lstStyle/>
+          <a:p>
+            <a:pPr algn="ctr"/>
+            <a:r>
+              <a:rPr lang="en-IN" sz="2400" dirty="0" err="1"/>
+              <a:t>Suhasini</a:t>
+            </a:r>
+            <a:r>
+              <a:rPr lang="en-IN" sz="2400" dirty="0"/>
+              <a:t> </a:t>
+            </a:r>
+            <a:r>
+              <a:rPr lang="en-IN" sz="2400" dirty="0" err="1"/>
+              <a:t>Polampelly</a:t>
+            </a:r>
+            <a:r>
+              <a:rPr lang="en-IN" sz="2400" dirty="0"/>
+              <a:t>: Diagnostics enterprise, Hospital Enterprise, Presentation</a:t>
+            </a:r>
+          </a:p>
+        </p:txBody>
+      </p:sp>
+      <p:sp>
+        <p:nvSpPr>
+          <p:cNvPr id="5" name="TextBox 4">
+            <a:extLst>
+              <a:ext uri="{FF2B5EF4-FFF2-40B4-BE49-F238E27FC236}">
+                <a16:creationId xmlns:a16="http://schemas.microsoft.com/office/drawing/2014/main" id="{84357C0B-9CE8-74A7-01F3-D19E6E3E3BB3}"/>
+              </a:ext>
+            </a:extLst>
+          </p:cNvPr>
+          <p:cNvSpPr txBox="1"/>
+          <p:nvPr/>
+        </p:nvSpPr>
+        <p:spPr>
+          <a:xfrm>
+            <a:off x="2149287" y="4457239"/>
+            <a:ext cx="7906870" cy="830997"/>
+          </a:xfrm>
+          <a:prstGeom prst="rect">
+            <a:avLst/>
+          </a:prstGeom>
+          <a:noFill/>
+        </p:spPr>
+        <p:txBody>
+          <a:bodyPr wrap="square" rtlCol="0">
+            <a:spAutoFit/>
+          </a:bodyPr>
+          <a:lstStyle/>
+          <a:p>
+            <a:pPr algn="ctr"/>
+            <a:r>
+              <a:rPr lang="en-IN" sz="2400" dirty="0"/>
+              <a:t>Sashank Machiraju: Ambulance enterprise, Hospital Enterprise, UML Diagram </a:t>
+            </a:r>
+          </a:p>
+        </p:txBody>
+      </p:sp>
+      <p:pic>
+        <p:nvPicPr>
+          <p:cNvPr id="6" name="Picture 2" descr="Northeastern University Logo and symbol, meaning, history ...">
+            <a:extLst>
+              <a:ext uri="{FF2B5EF4-FFF2-40B4-BE49-F238E27FC236}">
+                <a16:creationId xmlns:a16="http://schemas.microsoft.com/office/drawing/2014/main" id="{F2B92487-1101-E691-721C-5106BF426836}"/>
+              </a:ext>
+            </a:extLst>
+          </p:cNvPr>
+          <p:cNvPicPr>
+            <a:picLocks noChangeAspect="1" noChangeArrowheads="1"/>
+          </p:cNvPicPr>
+          <p:nvPr/>
+        </p:nvPicPr>
+        <p:blipFill>
+          <a:blip r:embed="rId2">
+            <a:extLst>
+              <a:ext uri="{28A0092B-C50C-407E-A947-70E740481C1C}">
+                <a14:useLocalDpi xmlns:a14="http://schemas.microsoft.com/office/drawing/2010/main" val="0"/>
+              </a:ext>
+            </a:extLst>
+          </a:blip>
+          <a:srcRect/>
+          <a:stretch>
+            <a:fillRect/>
+          </a:stretch>
+        </p:blipFill>
+        <p:spPr bwMode="auto">
+          <a:xfrm>
+            <a:off x="0" y="0"/>
+            <a:ext cx="1389529" cy="781610"/>
+          </a:xfrm>
+          <a:prstGeom prst="rect">
+            <a:avLst/>
+          </a:prstGeom>
+          <a:noFill/>
+          <a:extLst>
+            <a:ext uri="{909E8E84-426E-40DD-AFC4-6F175D3DCCD1}">
+              <a14:hiddenFill xmlns:a14="http://schemas.microsoft.com/office/drawing/2010/main">
+                <a:solidFill>
+                  <a:srgbClr val="FFFFFF"/>
+                </a:solidFill>
+              </a14:hiddenFill>
+            </a:ext>
+          </a:extLst>
+        </p:spPr>
+      </p:pic>
+    </p:spTree>
+    <p:extLst>
+      <p:ext uri="{BB962C8B-B14F-4D97-AF65-F5344CB8AC3E}">
+        <p14:creationId xmlns:p14="http://schemas.microsoft.com/office/powerpoint/2010/main" val="3178318837"/>
+      </p:ext>
+    </p:extLst>
+  </p:cSld>
+  <p:clrMapOvr>
+    <a:masterClrMapping/>
+  </p:clrMapOvr>
+</p:sld>
+</file>
+
+<file path=ppt/slides/slide16.xml><?xml version="1.0" encoding="utf-8"?>
+<p:sld xmlns:a="http://schemas.openxmlformats.org/drawingml/2006/main" xmlns:r="http://schemas.openxmlformats.org/officeDocument/2006/relationships" xmlns:p="http://schemas.openxmlformats.org/presentationml/2006/main">
+  <p:cSld>
+    <p:spTree>
+      <p:nvGrpSpPr>
+        <p:cNvPr id="1" name=""/>
+        <p:cNvGrpSpPr/>
+        <p:nvPr/>
+      </p:nvGrpSpPr>
+      <p:grpSpPr>
+        <a:xfrm>
+          <a:off x="0" y="0"/>
+          <a:ext cx="0" cy="0"/>
+          <a:chOff x="0" y="0"/>
+          <a:chExt cx="0" cy="0"/>
+        </a:xfrm>
+      </p:grpSpPr>
+      <p:sp>
+        <p:nvSpPr>
+          <p:cNvPr id="2" name="Rectangle 1">
+            <a:extLst>
+              <a:ext uri="{FF2B5EF4-FFF2-40B4-BE49-F238E27FC236}">
+                <a16:creationId xmlns:a16="http://schemas.microsoft.com/office/drawing/2014/main" id="{81C2FB87-8F0A-E8B0-5C39-9877C3072A49}"/>
+              </a:ext>
+            </a:extLst>
+          </p:cNvPr>
+          <p:cNvSpPr/>
+          <p:nvPr/>
+        </p:nvSpPr>
+        <p:spPr>
+          <a:xfrm>
+            <a:off x="4016905" y="2828835"/>
+            <a:ext cx="4158190" cy="1200329"/>
+          </a:xfrm>
+          <a:prstGeom prst="rect">
+            <a:avLst/>
+          </a:prstGeom>
+          <a:noFill/>
+        </p:spPr>
+        <p:txBody>
+          <a:bodyPr wrap="none" lIns="91440" tIns="45720" rIns="91440" bIns="45720">
+            <a:spAutoFit/>
+          </a:bodyPr>
+          <a:lstStyle/>
+          <a:p>
+            <a:pPr algn="ctr"/>
+            <a:r>
+              <a:rPr lang="en-US" sz="7200" b="1" dirty="0">
+                <a:ln w="22225">
+                  <a:solidFill>
+                    <a:schemeClr val="accent2"/>
+                  </a:solidFill>
+                  <a:prstDash val="solid"/>
+                </a:ln>
+                <a:solidFill>
+                  <a:schemeClr val="accent2">
+                    <a:lumMod val="40000"/>
+                    <a:lumOff val="60000"/>
+                  </a:schemeClr>
+                </a:solidFill>
+              </a:rPr>
+              <a:t>Thank you</a:t>
+            </a:r>
+          </a:p>
+        </p:txBody>
+      </p:sp>
+      <p:pic>
+        <p:nvPicPr>
+          <p:cNvPr id="1026" name="Picture 2" descr="Northeastern University Logo and symbol, meaning, history ...">
+            <a:extLst>
+              <a:ext uri="{FF2B5EF4-FFF2-40B4-BE49-F238E27FC236}">
+                <a16:creationId xmlns:a16="http://schemas.microsoft.com/office/drawing/2014/main" id="{EA593A4E-C551-B496-8459-00C5BDA9CB8D}"/>
+              </a:ext>
+            </a:extLst>
+          </p:cNvPr>
+          <p:cNvPicPr>
+            <a:picLocks noChangeAspect="1" noChangeArrowheads="1"/>
+          </p:cNvPicPr>
+          <p:nvPr/>
+        </p:nvPicPr>
+        <p:blipFill>
+          <a:blip r:embed="rId2">
+            <a:extLst>
+              <a:ext uri="{28A0092B-C50C-407E-A947-70E740481C1C}">
+                <a14:useLocalDpi xmlns:a14="http://schemas.microsoft.com/office/drawing/2010/main" val="0"/>
+              </a:ext>
+            </a:extLst>
+          </a:blip>
+          <a:srcRect/>
+          <a:stretch>
+            <a:fillRect/>
+          </a:stretch>
+        </p:blipFill>
+        <p:spPr bwMode="auto">
+          <a:xfrm>
+            <a:off x="0" y="0"/>
+            <a:ext cx="1389529" cy="781610"/>
+          </a:xfrm>
+          <a:prstGeom prst="rect">
+            <a:avLst/>
+          </a:prstGeom>
+          <a:noFill/>
+          <a:extLst>
+            <a:ext uri="{909E8E84-426E-40DD-AFC4-6F175D3DCCD1}">
+              <a14:hiddenFill xmlns:a14="http://schemas.microsoft.com/office/drawing/2010/main">
+                <a:solidFill>
+                  <a:srgbClr val="FFFFFF"/>
+                </a:solidFill>
+              </a14:hiddenFill>
+            </a:ext>
+          </a:extLst>
+        </p:spPr>
+      </p:pic>
+    </p:spTree>
+    <p:extLst>
+      <p:ext uri="{BB962C8B-B14F-4D97-AF65-F5344CB8AC3E}">
+        <p14:creationId xmlns:p14="http://schemas.microsoft.com/office/powerpoint/2010/main" val="1140847562"/>
       </p:ext>
     </p:extLst>
   </p:cSld>
@@ -10368,6 +12219,53 @@
           </a:p>
         </p:txBody>
       </p:sp>
+      <p:pic>
+        <p:nvPicPr>
+          <p:cNvPr id="5" name="Picture 2" descr="Northeastern University Logo and symbol, meaning, history ...">
+            <a:extLst>
+              <a:ext uri="{FF2B5EF4-FFF2-40B4-BE49-F238E27FC236}">
+                <a16:creationId xmlns:a16="http://schemas.microsoft.com/office/drawing/2014/main" id="{432C7B49-BF51-5C71-4844-6E8253337FA8}"/>
+              </a:ext>
+            </a:extLst>
+          </p:cNvPr>
+          <p:cNvPicPr>
+            <a:picLocks noChangeAspect="1" noChangeArrowheads="1"/>
+          </p:cNvPicPr>
+          <p:nvPr/>
+        </p:nvPicPr>
+        <p:blipFill>
+          <a:blip r:embed="rId2">
+            <a:extLst>
+              <a:ext uri="{28A0092B-C50C-407E-A947-70E740481C1C}">
+                <a14:useLocalDpi xmlns:a14="http://schemas.microsoft.com/office/drawing/2010/main" val="0"/>
+              </a:ext>
+            </a:extLst>
+          </a:blip>
+          <a:srcRect/>
+          <a:stretch>
+            <a:fillRect/>
+          </a:stretch>
+        </p:blipFill>
+        <p:spPr bwMode="auto">
+          <a:xfrm>
+            <a:off x="0" y="0"/>
+            <a:ext cx="1389529" cy="781610"/>
+          </a:xfrm>
+          <a:prstGeom prst="rect">
+            <a:avLst/>
+          </a:prstGeom>
+          <a:noFill/>
+          <a:extLst>
+            <a:ext uri="{909E8E84-426E-40DD-AFC4-6F175D3DCCD1}">
+              <a14:hiddenFill xmlns:a14="http://schemas.microsoft.com/office/drawing/2010/main">
+                <a:solidFill>
+                  <a:srgbClr val="FFFFFF"/>
+                </a:solidFill>
+              </a14:hiddenFill>
+            </a:ext>
+          </a:extLst>
+        </p:spPr>
+      </p:pic>
     </p:spTree>
     <p:extLst>
       <p:ext uri="{BB962C8B-B14F-4D97-AF65-F5344CB8AC3E}">
@@ -11917,6 +13815,53 @@
           </a:p>
         </p:txBody>
       </p:sp>
+      <p:pic>
+        <p:nvPicPr>
+          <p:cNvPr id="13" name="Picture 2" descr="Northeastern University Logo and symbol, meaning, history ...">
+            <a:extLst>
+              <a:ext uri="{FF2B5EF4-FFF2-40B4-BE49-F238E27FC236}">
+                <a16:creationId xmlns:a16="http://schemas.microsoft.com/office/drawing/2014/main" id="{6AC52C11-8DB1-D3E3-6717-2805F612FD64}"/>
+              </a:ext>
+            </a:extLst>
+          </p:cNvPr>
+          <p:cNvPicPr>
+            <a:picLocks noChangeAspect="1" noChangeArrowheads="1"/>
+          </p:cNvPicPr>
+          <p:nvPr/>
+        </p:nvPicPr>
+        <p:blipFill>
+          <a:blip r:embed="rId2">
+            <a:extLst>
+              <a:ext uri="{28A0092B-C50C-407E-A947-70E740481C1C}">
+                <a14:useLocalDpi xmlns:a14="http://schemas.microsoft.com/office/drawing/2010/main" val="0"/>
+              </a:ext>
+            </a:extLst>
+          </a:blip>
+          <a:srcRect/>
+          <a:stretch>
+            <a:fillRect/>
+          </a:stretch>
+        </p:blipFill>
+        <p:spPr bwMode="auto">
+          <a:xfrm>
+            <a:off x="0" y="0"/>
+            <a:ext cx="1389529" cy="781610"/>
+          </a:xfrm>
+          <a:prstGeom prst="rect">
+            <a:avLst/>
+          </a:prstGeom>
+          <a:noFill/>
+          <a:extLst>
+            <a:ext uri="{909E8E84-426E-40DD-AFC4-6F175D3DCCD1}">
+              <a14:hiddenFill xmlns:a14="http://schemas.microsoft.com/office/drawing/2010/main">
+                <a:solidFill>
+                  <a:srgbClr val="FFFFFF"/>
+                </a:solidFill>
+              </a14:hiddenFill>
+            </a:ext>
+          </a:extLst>
+        </p:spPr>
+      </p:pic>
     </p:spTree>
     <p:extLst>
       <p:ext uri="{BB962C8B-B14F-4D97-AF65-F5344CB8AC3E}">
@@ -12189,6 +14134,53 @@
           <a:xfrm>
             <a:off x="7441039" y="4167689"/>
             <a:ext cx="2571750" cy="1714500"/>
+          </a:xfrm>
+          <a:prstGeom prst="rect">
+            <a:avLst/>
+          </a:prstGeom>
+          <a:noFill/>
+          <a:extLst>
+            <a:ext uri="{909E8E84-426E-40DD-AFC4-6F175D3DCCD1}">
+              <a14:hiddenFill xmlns:a14="http://schemas.microsoft.com/office/drawing/2010/main">
+                <a:solidFill>
+                  <a:srgbClr val="FFFFFF"/>
+                </a:solidFill>
+              </a14:hiddenFill>
+            </a:ext>
+          </a:extLst>
+        </p:spPr>
+      </p:pic>
+      <p:pic>
+        <p:nvPicPr>
+          <p:cNvPr id="2" name="Picture 2" descr="Northeastern University Logo and symbol, meaning, history ...">
+            <a:extLst>
+              <a:ext uri="{FF2B5EF4-FFF2-40B4-BE49-F238E27FC236}">
+                <a16:creationId xmlns:a16="http://schemas.microsoft.com/office/drawing/2014/main" id="{EBB3DBD9-F96E-8D5C-070E-DA44AA63D18D}"/>
+              </a:ext>
+            </a:extLst>
+          </p:cNvPr>
+          <p:cNvPicPr>
+            <a:picLocks noChangeAspect="1" noChangeArrowheads="1"/>
+          </p:cNvPicPr>
+          <p:nvPr/>
+        </p:nvPicPr>
+        <p:blipFill>
+          <a:blip r:embed="rId6">
+            <a:extLst>
+              <a:ext uri="{28A0092B-C50C-407E-A947-70E740481C1C}">
+                <a14:useLocalDpi xmlns:a14="http://schemas.microsoft.com/office/drawing/2010/main" val="0"/>
+              </a:ext>
+            </a:extLst>
+          </a:blip>
+          <a:srcRect/>
+          <a:stretch>
+            <a:fillRect/>
+          </a:stretch>
+        </p:blipFill>
+        <p:spPr bwMode="auto">
+          <a:xfrm>
+            <a:off x="0" y="0"/>
+            <a:ext cx="1389529" cy="781610"/>
           </a:xfrm>
           <a:prstGeom prst="rect">
             <a:avLst/>
@@ -12466,6 +14458,53 @@
           </a:p>
         </p:txBody>
       </p:sp>
+      <p:pic>
+        <p:nvPicPr>
+          <p:cNvPr id="2" name="Picture 2" descr="Northeastern University Logo and symbol, meaning, history ...">
+            <a:extLst>
+              <a:ext uri="{FF2B5EF4-FFF2-40B4-BE49-F238E27FC236}">
+                <a16:creationId xmlns:a16="http://schemas.microsoft.com/office/drawing/2014/main" id="{5D7259F8-BEA0-F89C-1EC2-20D1EB9878E1}"/>
+              </a:ext>
+            </a:extLst>
+          </p:cNvPr>
+          <p:cNvPicPr>
+            <a:picLocks noChangeAspect="1" noChangeArrowheads="1"/>
+          </p:cNvPicPr>
+          <p:nvPr/>
+        </p:nvPicPr>
+        <p:blipFill>
+          <a:blip r:embed="rId2">
+            <a:extLst>
+              <a:ext uri="{28A0092B-C50C-407E-A947-70E740481C1C}">
+                <a14:useLocalDpi xmlns:a14="http://schemas.microsoft.com/office/drawing/2010/main" val="0"/>
+              </a:ext>
+            </a:extLst>
+          </a:blip>
+          <a:srcRect/>
+          <a:stretch>
+            <a:fillRect/>
+          </a:stretch>
+        </p:blipFill>
+        <p:spPr bwMode="auto">
+          <a:xfrm>
+            <a:off x="0" y="0"/>
+            <a:ext cx="1389529" cy="781610"/>
+          </a:xfrm>
+          <a:prstGeom prst="rect">
+            <a:avLst/>
+          </a:prstGeom>
+          <a:noFill/>
+          <a:extLst>
+            <a:ext uri="{909E8E84-426E-40DD-AFC4-6F175D3DCCD1}">
+              <a14:hiddenFill xmlns:a14="http://schemas.microsoft.com/office/drawing/2010/main">
+                <a:solidFill>
+                  <a:srgbClr val="FFFFFF"/>
+                </a:solidFill>
+              </a14:hiddenFill>
+            </a:ext>
+          </a:extLst>
+        </p:spPr>
+      </p:pic>
     </p:spTree>
     <p:extLst>
       <p:ext uri="{BB962C8B-B14F-4D97-AF65-F5344CB8AC3E}">
@@ -12736,6 +14775,53 @@
           </a:p>
         </p:txBody>
       </p:sp>
+      <p:pic>
+        <p:nvPicPr>
+          <p:cNvPr id="2" name="Picture 2" descr="Northeastern University Logo and symbol, meaning, history ...">
+            <a:extLst>
+              <a:ext uri="{FF2B5EF4-FFF2-40B4-BE49-F238E27FC236}">
+                <a16:creationId xmlns:a16="http://schemas.microsoft.com/office/drawing/2014/main" id="{8EFE9C7B-DD8D-8452-C98B-FD65A3085FB7}"/>
+              </a:ext>
+            </a:extLst>
+          </p:cNvPr>
+          <p:cNvPicPr>
+            <a:picLocks noChangeAspect="1" noChangeArrowheads="1"/>
+          </p:cNvPicPr>
+          <p:nvPr/>
+        </p:nvPicPr>
+        <p:blipFill>
+          <a:blip r:embed="rId2">
+            <a:extLst>
+              <a:ext uri="{28A0092B-C50C-407E-A947-70E740481C1C}">
+                <a14:useLocalDpi xmlns:a14="http://schemas.microsoft.com/office/drawing/2010/main" val="0"/>
+              </a:ext>
+            </a:extLst>
+          </a:blip>
+          <a:srcRect/>
+          <a:stretch>
+            <a:fillRect/>
+          </a:stretch>
+        </p:blipFill>
+        <p:spPr bwMode="auto">
+          <a:xfrm>
+            <a:off x="0" y="0"/>
+            <a:ext cx="1389529" cy="781610"/>
+          </a:xfrm>
+          <a:prstGeom prst="rect">
+            <a:avLst/>
+          </a:prstGeom>
+          <a:noFill/>
+          <a:extLst>
+            <a:ext uri="{909E8E84-426E-40DD-AFC4-6F175D3DCCD1}">
+              <a14:hiddenFill xmlns:a14="http://schemas.microsoft.com/office/drawing/2010/main">
+                <a:solidFill>
+                  <a:srgbClr val="FFFFFF"/>
+                </a:solidFill>
+              </a14:hiddenFill>
+            </a:ext>
+          </a:extLst>
+        </p:spPr>
+      </p:pic>
     </p:spTree>
     <p:extLst>
       <p:ext uri="{BB962C8B-B14F-4D97-AF65-F5344CB8AC3E}">
@@ -12888,6 +14974,53 @@
           </a:graphicData>
         </a:graphic>
       </p:graphicFrame>
+      <p:pic>
+        <p:nvPicPr>
+          <p:cNvPr id="2" name="Picture 2" descr="Northeastern University Logo and symbol, meaning, history ...">
+            <a:extLst>
+              <a:ext uri="{FF2B5EF4-FFF2-40B4-BE49-F238E27FC236}">
+                <a16:creationId xmlns:a16="http://schemas.microsoft.com/office/drawing/2014/main" id="{8F9AD468-B69D-F816-8FA5-A93FFA0B9BBF}"/>
+              </a:ext>
+            </a:extLst>
+          </p:cNvPr>
+          <p:cNvPicPr>
+            <a:picLocks noChangeAspect="1" noChangeArrowheads="1"/>
+          </p:cNvPicPr>
+          <p:nvPr/>
+        </p:nvPicPr>
+        <p:blipFill>
+          <a:blip r:embed="rId8">
+            <a:extLst>
+              <a:ext uri="{28A0092B-C50C-407E-A947-70E740481C1C}">
+                <a14:useLocalDpi xmlns:a14="http://schemas.microsoft.com/office/drawing/2010/main" val="0"/>
+              </a:ext>
+            </a:extLst>
+          </a:blip>
+          <a:srcRect/>
+          <a:stretch>
+            <a:fillRect/>
+          </a:stretch>
+        </p:blipFill>
+        <p:spPr bwMode="auto">
+          <a:xfrm>
+            <a:off x="0" y="0"/>
+            <a:ext cx="1389529" cy="781610"/>
+          </a:xfrm>
+          <a:prstGeom prst="rect">
+            <a:avLst/>
+          </a:prstGeom>
+          <a:noFill/>
+          <a:extLst>
+            <a:ext uri="{909E8E84-426E-40DD-AFC4-6F175D3DCCD1}">
+              <a14:hiddenFill xmlns:a14="http://schemas.microsoft.com/office/drawing/2010/main">
+                <a:solidFill>
+                  <a:srgbClr val="FFFFFF"/>
+                </a:solidFill>
+              </a14:hiddenFill>
+            </a:ext>
+          </a:extLst>
+        </p:spPr>
+      </p:pic>
     </p:spTree>
     <p:extLst>
       <p:ext uri="{BB962C8B-B14F-4D97-AF65-F5344CB8AC3E}">
@@ -13085,6 +15218,53 @@
           <a:prstGeom prst="rect">
             <a:avLst/>
           </a:prstGeom>
+        </p:spPr>
+      </p:pic>
+      <p:pic>
+        <p:nvPicPr>
+          <p:cNvPr id="2" name="Picture 2" descr="Northeastern University Logo and symbol, meaning, history ...">
+            <a:extLst>
+              <a:ext uri="{FF2B5EF4-FFF2-40B4-BE49-F238E27FC236}">
+                <a16:creationId xmlns:a16="http://schemas.microsoft.com/office/drawing/2014/main" id="{322EA44B-5CDF-0756-A49D-E575E533E0CB}"/>
+              </a:ext>
+            </a:extLst>
+          </p:cNvPr>
+          <p:cNvPicPr>
+            <a:picLocks noChangeAspect="1" noChangeArrowheads="1"/>
+          </p:cNvPicPr>
+          <p:nvPr/>
+        </p:nvPicPr>
+        <p:blipFill>
+          <a:blip r:embed="rId3">
+            <a:extLst>
+              <a:ext uri="{28A0092B-C50C-407E-A947-70E740481C1C}">
+                <a14:useLocalDpi xmlns:a14="http://schemas.microsoft.com/office/drawing/2010/main" val="0"/>
+              </a:ext>
+            </a:extLst>
+          </a:blip>
+          <a:srcRect/>
+          <a:stretch>
+            <a:fillRect/>
+          </a:stretch>
+        </p:blipFill>
+        <p:spPr bwMode="auto">
+          <a:xfrm>
+            <a:off x="10802471" y="0"/>
+            <a:ext cx="1389529" cy="781610"/>
+          </a:xfrm>
+          <a:prstGeom prst="rect">
+            <a:avLst/>
+          </a:prstGeom>
+          <a:noFill/>
+          <a:extLst>
+            <a:ext uri="{909E8E84-426E-40DD-AFC4-6F175D3DCCD1}">
+              <a14:hiddenFill xmlns:a14="http://schemas.microsoft.com/office/drawing/2010/main">
+                <a:solidFill>
+                  <a:srgbClr val="FFFFFF"/>
+                </a:solidFill>
+              </a14:hiddenFill>
+            </a:ext>
+          </a:extLst>
         </p:spPr>
       </p:pic>
     </p:spTree>
@@ -13284,6 +15464,53 @@
           <a:prstGeom prst="rect">
             <a:avLst/>
           </a:prstGeom>
+        </p:spPr>
+      </p:pic>
+      <p:pic>
+        <p:nvPicPr>
+          <p:cNvPr id="2" name="Picture 2" descr="Northeastern University Logo and symbol, meaning, history ...">
+            <a:extLst>
+              <a:ext uri="{FF2B5EF4-FFF2-40B4-BE49-F238E27FC236}">
+                <a16:creationId xmlns:a16="http://schemas.microsoft.com/office/drawing/2014/main" id="{4247AA6F-C3A1-25E9-D1B5-08392D6F2A30}"/>
+              </a:ext>
+            </a:extLst>
+          </p:cNvPr>
+          <p:cNvPicPr>
+            <a:picLocks noChangeAspect="1" noChangeArrowheads="1"/>
+          </p:cNvPicPr>
+          <p:nvPr/>
+        </p:nvPicPr>
+        <p:blipFill>
+          <a:blip r:embed="rId3">
+            <a:extLst>
+              <a:ext uri="{28A0092B-C50C-407E-A947-70E740481C1C}">
+                <a14:useLocalDpi xmlns:a14="http://schemas.microsoft.com/office/drawing/2010/main" val="0"/>
+              </a:ext>
+            </a:extLst>
+          </a:blip>
+          <a:srcRect/>
+          <a:stretch>
+            <a:fillRect/>
+          </a:stretch>
+        </p:blipFill>
+        <p:spPr bwMode="auto">
+          <a:xfrm>
+            <a:off x="10797598" y="0"/>
+            <a:ext cx="1389529" cy="781610"/>
+          </a:xfrm>
+          <a:prstGeom prst="rect">
+            <a:avLst/>
+          </a:prstGeom>
+          <a:noFill/>
+          <a:extLst>
+            <a:ext uri="{909E8E84-426E-40DD-AFC4-6F175D3DCCD1}">
+              <a14:hiddenFill xmlns:a14="http://schemas.microsoft.com/office/drawing/2010/main">
+                <a:solidFill>
+                  <a:srgbClr val="FFFFFF"/>
+                </a:solidFill>
+              </a14:hiddenFill>
+            </a:ext>
+          </a:extLst>
         </p:spPr>
       </p:pic>
     </p:spTree>
